--- a/lectures/E11-Protection/E11 - Protection.pptx
+++ b/lectures/E11-Protection/E11 - Protection.pptx
@@ -5,10 +5,10 @@
     <p:sldMasterId id="2147483648" r:id="rId1"/>
   </p:sldMasterIdLst>
   <p:notesMasterIdLst>
-    <p:notesMasterId r:id="rId23"/>
+    <p:notesMasterId r:id="rId24"/>
   </p:notesMasterIdLst>
   <p:handoutMasterIdLst>
-    <p:handoutMasterId r:id="rId24"/>
+    <p:handoutMasterId r:id="rId25"/>
   </p:handoutMasterIdLst>
   <p:sldIdLst>
     <p:sldId id="331" r:id="rId2"/>
@@ -29,28 +29,13 @@
     <p:sldId id="324" r:id="rId17"/>
     <p:sldId id="330" r:id="rId18"/>
     <p:sldId id="327" r:id="rId19"/>
-    <p:sldId id="311" r:id="rId20"/>
-    <p:sldId id="328" r:id="rId21"/>
-    <p:sldId id="280" r:id="rId22"/>
+    <p:sldId id="332" r:id="rId20"/>
+    <p:sldId id="311" r:id="rId21"/>
+    <p:sldId id="328" r:id="rId22"/>
+    <p:sldId id="280" r:id="rId23"/>
   </p:sldIdLst>
   <p:sldSz cx="9144000" cy="5715000" type="screen16x10"/>
   <p:notesSz cx="7099300" cy="10234613"/>
-  <p:embeddedFontLst>
-    <p:embeddedFont>
-      <p:font typeface="Calibri" pitchFamily="34" charset="0"/>
-      <p:regular r:id="rId25"/>
-      <p:bold r:id="rId26"/>
-      <p:italic r:id="rId27"/>
-      <p:boldItalic r:id="rId28"/>
-    </p:embeddedFont>
-    <p:embeddedFont>
-      <p:font typeface="Minya Nouvelle" charset="0"/>
-      <p:regular r:id="rId29"/>
-      <p:bold r:id="rId30"/>
-      <p:italic r:id="rId31"/>
-      <p:boldItalic r:id="rId32"/>
-    </p:embeddedFont>
-  </p:embeddedFontLst>
   <p:defaultTextStyle>
     <a:defPPr>
       <a:defRPr lang="sv-SE"/>
@@ -232,7 +217,7 @@
             <a:fld id="{D591C14E-198E-48A7-ABEC-7FB80E868E55}" type="datetimeFigureOut">
               <a:rPr lang="sv-SE" smtClean="0"/>
               <a:pPr/>
-              <a:t>2012-12-11</a:t>
+              <a:t>2013-12-10</a:t>
             </a:fld>
             <a:endParaRPr lang="sv-SE"/>
           </a:p>
@@ -399,7 +384,7 @@
             <a:fld id="{188BB863-C913-48B5-BD1A-638D82A0C76B}" type="datetimeFigureOut">
               <a:rPr lang="sv-SE" smtClean="0"/>
               <a:pPr/>
-              <a:t>2012-12-11</a:t>
+              <a:t>2013-12-10</a:t>
             </a:fld>
             <a:endParaRPr lang="sv-SE"/>
           </a:p>
@@ -1244,7 +1229,7 @@
             <a:fld id="{87A2DC32-3504-46EA-A4CB-95ED6A325EDF}" type="slidenum">
               <a:rPr lang="sv-SE" smtClean="0"/>
               <a:pPr/>
-              <a:t>19</a:t>
+              <a:t>20</a:t>
             </a:fld>
             <a:endParaRPr lang="sv-SE"/>
           </a:p>
@@ -1409,7 +1394,7 @@
   <p:timing>
     <p:tnLst>
       <p:par>
-        <p:cTn id="1" dur="indefinite" restart="never" nodeType="tmRoot"/>
+        <p:cTn xmlns:p14="http://schemas.microsoft.com/office/powerpoint/2010/main" id="1" dur="indefinite" restart="never" nodeType="tmRoot"/>
       </p:par>
     </p:tnLst>
   </p:timing>
@@ -1634,7 +1619,7 @@
   <p:timing>
     <p:tnLst>
       <p:par>
-        <p:cTn id="1" dur="indefinite" restart="never" nodeType="tmRoot"/>
+        <p:cTn xmlns:p14="http://schemas.microsoft.com/office/powerpoint/2010/main" id="1" dur="indefinite" restart="never" nodeType="tmRoot"/>
       </p:par>
     </p:tnLst>
   </p:timing>
@@ -7682,7 +7667,7 @@
         <p:spPr>
           <a:xfrm>
             <a:off x="395536" y="1201316"/>
-            <a:ext cx="4126451" cy="954107"/>
+            <a:ext cx="4176018" cy="954107"/>
           </a:xfrm>
           <a:prstGeom prst="rect">
             <a:avLst/>
@@ -7699,13 +7684,13 @@
               <a:rPr lang="sv-SE" sz="2800" b="1" dirty="0" smtClean="0">
                 <a:latin typeface="Minya Nouvelle" pitchFamily="2" charset="0"/>
               </a:rPr>
-              <a:t>Föreläsning </a:t>
+              <a:t>Föreläsning 11, </a:t>
             </a:r>
             <a:r>
               <a:rPr lang="sv-SE" sz="2800" b="1" dirty="0" smtClean="0">
                 <a:latin typeface="Minya Nouvelle" pitchFamily="2" charset="0"/>
               </a:rPr>
-              <a:t>11, HT2012</a:t>
+              <a:t>HT2013</a:t>
             </a:r>
             <a:endParaRPr lang="sv-SE" sz="2800" b="1" dirty="0" smtClean="0">
               <a:latin typeface="Minya Nouvelle" pitchFamily="2" charset="0"/>
@@ -7796,7 +7781,7 @@
           </a:prstGeom>
           <a:noFill/>
           <a:extLst>
-            <a:ext uri="{909E8E84-426E-40DD-AFC4-6F175D3DCCD1}">
+            <a:ext uri="{909E8E84-426E-40dd-AFC4-6F175D3DCCD1}">
               <a14:hiddenFill xmlns:a14="http://schemas.microsoft.com/office/drawing/2010/main">
                 <a:solidFill>
                   <a:srgbClr val="FFFFFF"/>
@@ -7851,7 +7836,7 @@
   <p:timing>
     <p:tnLst>
       <p:par>
-        <p:cTn id="1" dur="indefinite" restart="never" nodeType="tmRoot"/>
+        <p:cTn xmlns:p14="http://schemas.microsoft.com/office/powerpoint/2010/main" id="1" dur="indefinite" restart="never" nodeType="tmRoot"/>
       </p:par>
     </p:tnLst>
   </p:timing>
@@ -8138,7 +8123,7 @@
           </a:prstGeom>
           <a:noFill/>
           <a:extLst>
-            <a:ext uri="{909E8E84-426E-40DD-AFC4-6F175D3DCCD1}">
+            <a:ext uri="{909E8E84-426E-40dd-AFC4-6F175D3DCCD1}">
               <a14:hiddenFill xmlns:a14="http://schemas.microsoft.com/office/drawing/2010/main">
                 <a:solidFill>
                   <a:srgbClr val="FFFFFF"/>
@@ -8240,7 +8225,7 @@
           </a:prstGeom>
           <a:noFill/>
           <a:extLst>
-            <a:ext uri="{909E8E84-426E-40DD-AFC4-6F175D3DCCD1}">
+            <a:ext uri="{909E8E84-426E-40dd-AFC4-6F175D3DCCD1}">
               <a14:hiddenFill xmlns:a14="http://schemas.microsoft.com/office/drawing/2010/main">
                 <a:solidFill>
                   <a:srgbClr val="FFFFFF"/>
@@ -8555,7 +8540,7 @@
   <p:timing>
     <p:tnLst>
       <p:par>
-        <p:cTn id="1" dur="indefinite" restart="never" nodeType="tmRoot">
+        <p:cTn xmlns:p14="http://schemas.microsoft.com/office/powerpoint/2010/main" id="1" dur="indefinite" restart="never" nodeType="tmRoot">
           <p:childTnLst>
             <p:seq concurrent="1" nextAc="seek">
               <p:cTn id="2" dur="indefinite" nodeType="mainSeq">
@@ -8748,7 +8733,7 @@
           </a:prstGeom>
           <a:noFill/>
           <a:extLst>
-            <a:ext uri="{909E8E84-426E-40DD-AFC4-6F175D3DCCD1}">
+            <a:ext uri="{909E8E84-426E-40dd-AFC4-6F175D3DCCD1}">
               <a14:hiddenFill xmlns:a14="http://schemas.microsoft.com/office/drawing/2010/main">
                 <a:solidFill>
                   <a:srgbClr val="FFFFFF"/>
@@ -8789,7 +8774,7 @@
           </a:prstGeom>
           <a:noFill/>
           <a:extLst>
-            <a:ext uri="{909E8E84-426E-40DD-AFC4-6F175D3DCCD1}">
+            <a:ext uri="{909E8E84-426E-40dd-AFC4-6F175D3DCCD1}">
               <a14:hiddenFill xmlns:a14="http://schemas.microsoft.com/office/drawing/2010/main">
                 <a:solidFill>
                   <a:srgbClr val="FFFFFF"/>
@@ -8915,7 +8900,7 @@
           </a:prstGeom>
           <a:noFill/>
           <a:extLst>
-            <a:ext uri="{909E8E84-426E-40DD-AFC4-6F175D3DCCD1}">
+            <a:ext uri="{909E8E84-426E-40dd-AFC4-6F175D3DCCD1}">
               <a14:hiddenFill xmlns:a14="http://schemas.microsoft.com/office/drawing/2010/main">
                 <a:solidFill>
                   <a:srgbClr val="FFFFFF"/>
@@ -9110,6 +9095,13 @@
   <p:clrMapOvr>
     <a:masterClrMapping/>
   </p:clrMapOvr>
+  <p:timing>
+    <p:tnLst>
+      <p:par>
+        <p:cTn xmlns:p14="http://schemas.microsoft.com/office/powerpoint/2010/main" id="1" dur="indefinite" restart="never" nodeType="tmRoot"/>
+      </p:par>
+    </p:tnLst>
+  </p:timing>
 </p:sld>
 </file>
 
@@ -9164,7 +9156,7 @@
         <p:spPr bwMode="auto">
           <a:xfrm>
             <a:off x="1000100" y="1058455"/>
-            <a:ext cx="7572428" cy="4524315"/>
+            <a:ext cx="7572428" cy="4208845"/>
           </a:xfrm>
           <a:prstGeom prst="rect">
             <a:avLst/>
@@ -9192,14 +9184,133 @@
               <a:rPr lang="sv-SE" sz="1800" dirty="0" smtClean="0">
                 <a:latin typeface="Minya Nouvelle" charset="0"/>
               </a:rPr>
-              <a:t>Koden är publik</a:t>
-            </a:r>
+              <a:t>Koden är </a:t>
+            </a:r>
+            <a:r>
+              <a:rPr lang="sv-SE" sz="1800" dirty="0" smtClean="0">
+                <a:latin typeface="Minya Nouvelle" charset="0"/>
+              </a:rPr>
+              <a:t>publik</a:t>
+            </a:r>
+            <a:br>
+              <a:rPr lang="sv-SE" sz="1800" dirty="0" smtClean="0">
+                <a:latin typeface="Minya Nouvelle" charset="0"/>
+              </a:rPr>
+            </a:br>
+            <a:endParaRPr lang="sv-SE" sz="900" dirty="0" smtClean="0">
+              <a:latin typeface="Minya Nouvelle" charset="0"/>
+            </a:endParaRPr>
           </a:p>
           <a:p>
             <a:pPr marL="342900" indent="-342900">
               <a:buFontTx/>
               <a:buAutoNum type="arabicParenR"/>
             </a:pPr>
+            <a:r>
+              <a:rPr lang="sv-SE" sz="1800" dirty="0" smtClean="0">
+                <a:latin typeface="Minya Nouvelle" charset="0"/>
+              </a:rPr>
+              <a:t>”Utvecklare” som förlitar sig på klientsidans kod</a:t>
+            </a:r>
+            <a:br>
+              <a:rPr lang="sv-SE" sz="1800" dirty="0" smtClean="0">
+                <a:latin typeface="Minya Nouvelle" charset="0"/>
+              </a:rPr>
+            </a:br>
+            <a:r>
+              <a:rPr lang="sv-SE" sz="1800" dirty="0" smtClean="0">
+                <a:latin typeface="Minya Nouvelle" charset="0"/>
+              </a:rPr>
+              <a:t> - Vid validering</a:t>
+            </a:r>
+            <a:br>
+              <a:rPr lang="sv-SE" sz="1800" dirty="0" smtClean="0">
+                <a:latin typeface="Minya Nouvelle" charset="0"/>
+              </a:rPr>
+            </a:br>
+            <a:r>
+              <a:rPr lang="sv-SE" sz="1800" dirty="0" smtClean="0">
+                <a:latin typeface="Minya Nouvelle" charset="0"/>
+              </a:rPr>
+              <a:t> - Vid inloggningsförfarande</a:t>
+            </a:r>
+            <a:br>
+              <a:rPr lang="sv-SE" sz="1800" dirty="0" smtClean="0">
+                <a:latin typeface="Minya Nouvelle" charset="0"/>
+              </a:rPr>
+            </a:br>
+            <a:r>
+              <a:rPr lang="sv-SE" sz="1800" dirty="0" smtClean="0">
+                <a:latin typeface="Minya Nouvelle" charset="0"/>
+              </a:rPr>
+              <a:t> - För att stoppa användaren från att genomföra </a:t>
+            </a:r>
+            <a:r>
+              <a:rPr lang="sv-SE" sz="1800" dirty="0" smtClean="0">
+                <a:latin typeface="Minya Nouvelle" charset="0"/>
+              </a:rPr>
+              <a:t>handlingar</a:t>
+            </a:r>
+          </a:p>
+          <a:p>
+            <a:pPr marL="342900" indent="-342900">
+              <a:buFontTx/>
+              <a:buAutoNum type="arabicParenR"/>
+            </a:pPr>
+            <a:endParaRPr lang="sv-SE" sz="800" dirty="0" smtClean="0">
+              <a:latin typeface="Minya Nouvelle" charset="0"/>
+            </a:endParaRPr>
+          </a:p>
+          <a:p>
+            <a:pPr marL="342900" indent="-342900">
+              <a:buFontTx/>
+              <a:buAutoNum type="arabicParenR"/>
+            </a:pPr>
+            <a:r>
+              <a:rPr lang="sv-SE" sz="1800" dirty="0" smtClean="0">
+                <a:latin typeface="Minya Nouvelle" charset="0"/>
+              </a:rPr>
+              <a:t>Ajax-applikationer ökar </a:t>
+            </a:r>
+            <a:r>
+              <a:rPr lang="sv-SE" sz="1800" dirty="0" smtClean="0">
+                <a:latin typeface="Minya Nouvelle" charset="0"/>
+              </a:rPr>
+              <a:t>angreppsytan</a:t>
+            </a:r>
+          </a:p>
+          <a:p>
+            <a:pPr marL="342900" indent="-342900">
+              <a:buFontTx/>
+              <a:buAutoNum type="arabicParenR"/>
+            </a:pPr>
+            <a:endParaRPr lang="sv-SE" sz="1050" dirty="0" smtClean="0">
+              <a:latin typeface="Minya Nouvelle" charset="0"/>
+            </a:endParaRPr>
+          </a:p>
+          <a:p>
+            <a:pPr marL="342900" indent="-342900">
+              <a:buFontTx/>
+              <a:buAutoNum type="arabicParenR"/>
+            </a:pPr>
+            <a:r>
+              <a:rPr lang="sv-SE" dirty="0" smtClean="0">
+                <a:latin typeface="Minya Nouvelle" charset="0"/>
+              </a:rPr>
+              <a:t>Nya </a:t>
+            </a:r>
+            <a:r>
+              <a:rPr lang="sv-SE" dirty="0" err="1" smtClean="0">
+                <a:latin typeface="Minya Nouvelle" charset="0"/>
+              </a:rPr>
+              <a:t>API:er</a:t>
+            </a:r>
+            <a:r>
+              <a:rPr lang="sv-SE" dirty="0" smtClean="0">
+                <a:latin typeface="Minya Nouvelle" charset="0"/>
+              </a:rPr>
+              <a:t>/ökad komplexitet ökar angreppsytan (HTML5)</a:t>
+            </a:r>
             <a:endParaRPr lang="sv-SE" sz="1800" dirty="0" smtClean="0">
               <a:latin typeface="Minya Nouvelle" charset="0"/>
             </a:endParaRPr>
@@ -9209,50 +9320,27 @@
               <a:buFontTx/>
               <a:buAutoNum type="arabicParenR"/>
             </a:pPr>
+            <a:endParaRPr lang="sv-SE" sz="900" dirty="0" smtClean="0">
+              <a:latin typeface="Minya Nouvelle" charset="0"/>
+            </a:endParaRPr>
+          </a:p>
+          <a:p>
+            <a:pPr marL="342900" indent="-342900">
+              <a:buFontTx/>
+              <a:buAutoNum type="arabicParenR"/>
+            </a:pPr>
             <a:r>
               <a:rPr lang="sv-SE" sz="1800" dirty="0" smtClean="0">
                 <a:latin typeface="Minya Nouvelle" charset="0"/>
               </a:rPr>
-              <a:t>”Utvecklare” som förlitar sig på klientsidans kod</a:t>
-            </a:r>
-            <a:br>
-              <a:rPr lang="sv-SE" sz="1800" dirty="0" smtClean="0">
+              <a:t>Luckor i </a:t>
+            </a:r>
+            <a:r>
+              <a:rPr lang="sv-SE" sz="1800" dirty="0" err="1" smtClean="0">
                 <a:latin typeface="Minya Nouvelle" charset="0"/>
               </a:rPr>
-            </a:br>
-            <a:r>
-              <a:rPr lang="sv-SE" sz="1800" dirty="0" smtClean="0">
-                <a:latin typeface="Minya Nouvelle" charset="0"/>
-              </a:rPr>
-              <a:t> - Vid validering</a:t>
-            </a:r>
-            <a:br>
-              <a:rPr lang="sv-SE" sz="1800" dirty="0" smtClean="0">
-                <a:latin typeface="Minya Nouvelle" charset="0"/>
-              </a:rPr>
-            </a:br>
-            <a:r>
-              <a:rPr lang="sv-SE" sz="1800" dirty="0" smtClean="0">
-                <a:latin typeface="Minya Nouvelle" charset="0"/>
-              </a:rPr>
-              <a:t> - Vid inloggningsförfarande</a:t>
-            </a:r>
-            <a:br>
-              <a:rPr lang="sv-SE" sz="1800" dirty="0" smtClean="0">
-                <a:latin typeface="Minya Nouvelle" charset="0"/>
-              </a:rPr>
-            </a:br>
-            <a:r>
-              <a:rPr lang="sv-SE" sz="1800" dirty="0" smtClean="0">
-                <a:latin typeface="Minya Nouvelle" charset="0"/>
-              </a:rPr>
-              <a:t> - För att stoppa användaren från att genomföra handlingar</a:t>
-            </a:r>
-            <a:br>
-              <a:rPr lang="sv-SE" sz="1800" dirty="0" smtClean="0">
-                <a:latin typeface="Minya Nouvelle" charset="0"/>
-              </a:rPr>
-            </a:br>
+              <a:t>webbläsarimplementationen</a:t>
+            </a:r>
             <a:endParaRPr lang="sv-SE" sz="1800" dirty="0" smtClean="0">
               <a:latin typeface="Minya Nouvelle" charset="0"/>
             </a:endParaRPr>
@@ -9262,18 +9350,7 @@
               <a:buFontTx/>
               <a:buAutoNum type="arabicParenR"/>
             </a:pPr>
-            <a:r>
-              <a:rPr lang="sv-SE" sz="1800" dirty="0" smtClean="0">
-                <a:latin typeface="Minya Nouvelle" charset="0"/>
-              </a:rPr>
-              <a:t>Ajax-applikationer ökar angreppsytan</a:t>
-            </a:r>
-            <a:br>
-              <a:rPr lang="sv-SE" sz="1800" dirty="0" smtClean="0">
-                <a:latin typeface="Minya Nouvelle" charset="0"/>
-              </a:rPr>
-            </a:br>
-            <a:endParaRPr lang="sv-SE" sz="1800" dirty="0" smtClean="0">
+            <a:endParaRPr lang="sv-SE" sz="900" dirty="0" smtClean="0">
               <a:latin typeface="Minya Nouvelle" charset="0"/>
             </a:endParaRPr>
           </a:p>
@@ -9283,114 +9360,96 @@
               <a:buAutoNum type="arabicParenR"/>
             </a:pPr>
             <a:r>
-              <a:rPr lang="sv-SE" dirty="0" smtClean="0">
+              <a:rPr lang="sv-SE" sz="1800" dirty="0" err="1" smtClean="0">
                 <a:latin typeface="Minya Nouvelle" charset="0"/>
               </a:rPr>
-              <a:t>Nya </a:t>
-            </a:r>
-            <a:r>
-              <a:rPr lang="sv-SE" dirty="0" err="1" smtClean="0">
+              <a:t>Denial</a:t>
+            </a:r>
+            <a:r>
+              <a:rPr lang="sv-SE" sz="1800" dirty="0" smtClean="0">
                 <a:latin typeface="Minya Nouvelle" charset="0"/>
               </a:rPr>
-              <a:t>API:er</a:t>
-            </a:r>
-            <a:r>
-              <a:rPr lang="sv-SE" dirty="0" smtClean="0">
+              <a:t>-</a:t>
+            </a:r>
+            <a:r>
+              <a:rPr lang="sv-SE" sz="1800" dirty="0" err="1" smtClean="0">
                 <a:latin typeface="Minya Nouvelle" charset="0"/>
               </a:rPr>
-              <a:t>/ökad komplexitet ökar angreppsytan (HTML5)</a:t>
+              <a:t>of</a:t>
+            </a:r>
+            <a:r>
+              <a:rPr lang="sv-SE" sz="1800" dirty="0" smtClean="0">
+                <a:latin typeface="Minya Nouvelle" charset="0"/>
+              </a:rPr>
+              <a:t>-Service-problem (DOS-attack)</a:t>
+            </a:r>
+            <a:br>
+              <a:rPr lang="sv-SE" sz="1800" dirty="0" smtClean="0">
+                <a:latin typeface="Minya Nouvelle" charset="0"/>
+              </a:rPr>
+            </a:br>
+            <a:endParaRPr lang="sv-SE" sz="800" b="1" dirty="0" smtClean="0">
+              <a:latin typeface="Minya Nouvelle" charset="0"/>
+            </a:endParaRPr>
+          </a:p>
+          <a:p>
+            <a:r>
+              <a:rPr lang="sv-SE" b="1" dirty="0" smtClean="0">
+                <a:latin typeface="Minya Nouvelle" charset="0"/>
+              </a:rPr>
+              <a:t>7) </a:t>
+            </a:r>
+            <a:r>
+              <a:rPr lang="sv-SE" sz="1800" b="1" dirty="0" smtClean="0">
+                <a:latin typeface="Minya Nouvelle" charset="0"/>
+              </a:rPr>
+              <a:t>Cross</a:t>
+            </a:r>
+            <a:r>
+              <a:rPr lang="sv-SE" sz="1800" b="1" dirty="0" smtClean="0">
+                <a:latin typeface="Minya Nouvelle" charset="0"/>
+              </a:rPr>
+              <a:t>-site </a:t>
+            </a:r>
+            <a:r>
+              <a:rPr lang="sv-SE" sz="1800" b="1" dirty="0" err="1" smtClean="0">
+                <a:latin typeface="Minya Nouvelle" charset="0"/>
+              </a:rPr>
+              <a:t>Scripting</a:t>
+            </a:r>
+            <a:r>
+              <a:rPr lang="sv-SE" sz="1800" b="1" dirty="0" smtClean="0">
+                <a:latin typeface="Minya Nouvelle" charset="0"/>
+              </a:rPr>
+              <a:t> (XSS)</a:t>
+            </a:r>
+            <a:r>
+              <a:rPr lang="sv-SE" sz="1800" dirty="0" smtClean="0">
+                <a:latin typeface="Minya Nouvelle" charset="0"/>
+              </a:rPr>
+              <a:t> </a:t>
             </a:r>
             <a:endParaRPr lang="sv-SE" sz="1800" dirty="0" smtClean="0">
               <a:latin typeface="Minya Nouvelle" charset="0"/>
             </a:endParaRPr>
           </a:p>
           <a:p>
-            <a:pPr marL="342900" indent="-342900">
-              <a:buFontTx/>
-              <a:buAutoNum type="arabicParenR"/>
-            </a:pPr>
-            <a:endParaRPr lang="sv-SE" sz="1800" dirty="0" smtClean="0">
+            <a:endParaRPr lang="sv-SE" sz="700" dirty="0">
               <a:latin typeface="Minya Nouvelle" charset="0"/>
             </a:endParaRPr>
           </a:p>
           <a:p>
-            <a:pPr marL="342900" indent="-342900">
-              <a:buFontTx/>
-              <a:buAutoNum type="arabicParenR"/>
-            </a:pPr>
-            <a:r>
-              <a:rPr lang="sv-SE" sz="1800" dirty="0" smtClean="0">
+            <a:r>
+              <a:rPr lang="sv-SE" sz="1800" b="1" dirty="0" smtClean="0">
                 <a:latin typeface="Minya Nouvelle" charset="0"/>
               </a:rPr>
-              <a:t>Luckor i </a:t>
-            </a:r>
-            <a:r>
-              <a:rPr lang="sv-SE" sz="1800" dirty="0" err="1" smtClean="0">
-                <a:latin typeface="Minya Nouvelle" charset="0"/>
-              </a:rPr>
-              <a:t>webbläsarimplementationen</a:t>
-            </a:r>
-            <a:endParaRPr lang="sv-SE" sz="1800" dirty="0" smtClean="0">
-              <a:latin typeface="Minya Nouvelle" charset="0"/>
-            </a:endParaRPr>
-          </a:p>
-          <a:p>
-            <a:pPr marL="342900" indent="-342900">
-              <a:buFontTx/>
-              <a:buAutoNum type="arabicParenR"/>
-            </a:pPr>
-            <a:endParaRPr lang="sv-SE" sz="1800" dirty="0" smtClean="0">
-              <a:latin typeface="Minya Nouvelle" charset="0"/>
-            </a:endParaRPr>
-          </a:p>
-          <a:p>
-            <a:pPr marL="342900" indent="-342900">
-              <a:buFontTx/>
-              <a:buAutoNum type="arabicParenR"/>
-            </a:pPr>
-            <a:r>
-              <a:rPr lang="sv-SE" sz="1800" dirty="0" err="1" smtClean="0">
-                <a:latin typeface="Minya Nouvelle" charset="0"/>
-              </a:rPr>
-              <a:t>Denial</a:t>
-            </a:r>
-            <a:r>
-              <a:rPr lang="sv-SE" sz="1800" dirty="0" smtClean="0">
-                <a:latin typeface="Minya Nouvelle" charset="0"/>
-              </a:rPr>
-              <a:t>-</a:t>
-            </a:r>
-            <a:r>
-              <a:rPr lang="sv-SE" sz="1800" dirty="0" err="1" smtClean="0">
-                <a:latin typeface="Minya Nouvelle" charset="0"/>
-              </a:rPr>
-              <a:t>of</a:t>
-            </a:r>
-            <a:r>
-              <a:rPr lang="sv-SE" sz="1800" dirty="0" smtClean="0">
-                <a:latin typeface="Minya Nouvelle" charset="0"/>
-              </a:rPr>
-              <a:t>-Service-problem (DOS-attack)</a:t>
-            </a:r>
-            <a:br>
-              <a:rPr lang="sv-SE" sz="1800" dirty="0" smtClean="0">
-                <a:latin typeface="Minya Nouvelle" charset="0"/>
-              </a:rPr>
-            </a:br>
-            <a:endParaRPr lang="sv-SE" sz="1800" dirty="0" smtClean="0">
-              <a:latin typeface="Minya Nouvelle" charset="0"/>
-            </a:endParaRPr>
-          </a:p>
-          <a:p>
-            <a:pPr marL="342900" indent="-342900">
-              <a:buFontTx/>
-              <a:buAutoNum type="arabicParenR"/>
-            </a:pPr>
+              <a:t>8) Cross-Site </a:t>
+            </a:r>
             <a:r>
               <a:rPr lang="sv-SE" sz="1800" b="1" dirty="0" err="1" smtClean="0">
                 <a:latin typeface="Minya Nouvelle" charset="0"/>
               </a:rPr>
-              <a:t>Cross-site</a:t>
+              <a:t>Request</a:t>
             </a:r>
             <a:r>
               <a:rPr lang="sv-SE" sz="1800" b="1" dirty="0" smtClean="0">
@@ -9402,21 +9461,15 @@
               <a:rPr lang="sv-SE" sz="1800" b="1" dirty="0" err="1" smtClean="0">
                 <a:latin typeface="Minya Nouvelle" charset="0"/>
               </a:rPr>
-              <a:t>Scripting</a:t>
+              <a:t>Forgery</a:t>
             </a:r>
             <a:r>
               <a:rPr lang="sv-SE" sz="1800" b="1" dirty="0" smtClean="0">
                 <a:latin typeface="Minya Nouvelle" charset="0"/>
               </a:rPr>
-              <a:t> (XSS)</a:t>
-            </a:r>
-            <a:r>
-              <a:rPr lang="sv-SE" sz="1800" dirty="0" smtClean="0">
-                <a:latin typeface="Minya Nouvelle" charset="0"/>
-              </a:rPr>
-              <a:t> </a:t>
-            </a:r>
-            <a:endParaRPr lang="sv-SE" sz="1800" dirty="0">
+              <a:t> (CSRF)</a:t>
+            </a:r>
+            <a:endParaRPr lang="sv-SE" sz="1800" b="1" dirty="0">
               <a:latin typeface="Minya Nouvelle" charset="0"/>
             </a:endParaRPr>
           </a:p>
@@ -9453,7 +9506,7 @@
           </a:prstGeom>
           <a:noFill/>
           <a:extLst>
-            <a:ext uri="{909E8E84-426E-40DD-AFC4-6F175D3DCCD1}">
+            <a:ext uri="{909E8E84-426E-40dd-AFC4-6F175D3DCCD1}">
               <a14:hiddenFill xmlns:a14="http://schemas.microsoft.com/office/drawing/2010/main">
                 <a:solidFill>
                   <a:srgbClr val="FFFFFF"/>
@@ -9476,7 +9529,7 @@
   <p:timing>
     <p:tnLst>
       <p:par>
-        <p:cTn id="1" dur="indefinite" restart="never" nodeType="tmRoot">
+        <p:cTn xmlns:p14="http://schemas.microsoft.com/office/powerpoint/2010/main" id="1" dur="indefinite" restart="never" nodeType="tmRoot">
           <p:childTnLst>
             <p:seq concurrent="1" nextAc="seek">
               <p:cTn id="2" dur="indefinite" nodeType="mainSeq">
@@ -9558,7 +9611,7 @@
                                         <p:tgtEl>
                                           <p:spTgt spid="6">
                                             <p:txEl>
-                                              <p:pRg st="2" end="2"/>
+                                              <p:pRg st="1" end="1"/>
                                             </p:txEl>
                                           </p:spTgt>
                                         </p:tgtEl>
@@ -9656,7 +9709,7 @@
                                         <p:tgtEl>
                                           <p:spTgt spid="6">
                                             <p:txEl>
-                                              <p:pRg st="4" end="4"/>
+                                              <p:pRg st="5" end="5"/>
                                             </p:txEl>
                                           </p:spTgt>
                                         </p:tgtEl>
@@ -9705,7 +9758,7 @@
                                         <p:tgtEl>
                                           <p:spTgt spid="6">
                                             <p:txEl>
-                                              <p:pRg st="6" end="6"/>
+                                              <p:pRg st="7" end="7"/>
                                             </p:txEl>
                                           </p:spTgt>
                                         </p:tgtEl>
@@ -9754,7 +9807,7 @@
                                         <p:tgtEl>
                                           <p:spTgt spid="6">
                                             <p:txEl>
-                                              <p:pRg st="8" end="8"/>
+                                              <p:pRg st="9" end="9"/>
                                             </p:txEl>
                                           </p:spTgt>
                                         </p:tgtEl>
@@ -9803,7 +9856,56 @@
                                         <p:tgtEl>
                                           <p:spTgt spid="6">
                                             <p:txEl>
-                                              <p:pRg st="9" end="9"/>
+                                              <p:pRg st="10" end="10"/>
+                                            </p:txEl>
+                                          </p:spTgt>
+                                        </p:tgtEl>
+                                        <p:attrNameLst>
+                                          <p:attrName>style.visibility</p:attrName>
+                                        </p:attrNameLst>
+                                      </p:cBhvr>
+                                      <p:to>
+                                        <p:strVal val="visible"/>
+                                      </p:to>
+                                    </p:set>
+                                  </p:childTnLst>
+                                </p:cTn>
+                              </p:par>
+                            </p:childTnLst>
+                          </p:cTn>
+                        </p:par>
+                      </p:childTnLst>
+                    </p:cTn>
+                  </p:par>
+                  <p:par>
+                    <p:cTn id="31" fill="hold">
+                      <p:stCondLst>
+                        <p:cond delay="indefinite"/>
+                      </p:stCondLst>
+                      <p:childTnLst>
+                        <p:par>
+                          <p:cTn id="32" fill="hold">
+                            <p:stCondLst>
+                              <p:cond delay="0"/>
+                            </p:stCondLst>
+                            <p:childTnLst>
+                              <p:par>
+                                <p:cTn id="33" presetID="1" presetClass="entr" presetSubtype="0" fill="hold" grpId="0" nodeType="clickEffect">
+                                  <p:stCondLst>
+                                    <p:cond delay="0"/>
+                                  </p:stCondLst>
+                                  <p:childTnLst>
+                                    <p:set>
+                                      <p:cBhvr>
+                                        <p:cTn id="34" dur="1" fill="hold">
+                                          <p:stCondLst>
+                                            <p:cond delay="0"/>
+                                          </p:stCondLst>
+                                        </p:cTn>
+                                        <p:tgtEl>
+                                          <p:spTgt spid="6">
+                                            <p:txEl>
+                                              <p:pRg st="12" end="12"/>
                                             </p:txEl>
                                           </p:spTgt>
                                         </p:tgtEl>
@@ -9900,7 +10002,7 @@
           </a:prstGeom>
           <a:noFill/>
           <a:extLst>
-            <a:ext uri="{909E8E84-426E-40DD-AFC4-6F175D3DCCD1}">
+            <a:ext uri="{909E8E84-426E-40dd-AFC4-6F175D3DCCD1}">
               <a14:hiddenFill xmlns:a14="http://schemas.microsoft.com/office/drawing/2010/main">
                 <a:solidFill>
                   <a:srgbClr val="FFFFFF"/>
@@ -9955,15 +10057,7 @@
           <a:p>
             <a:r>
               <a:rPr lang="sv-SE" dirty="0" smtClean="0"/>
-              <a:t>XSS går i korthet ut på att en attackerare får sin JavaScript-kod att komma ifrån samma server som </a:t>
-            </a:r>
-            <a:r>
-              <a:rPr lang="sv-SE" dirty="0" smtClean="0"/>
-              <a:t>originalkoden </a:t>
-            </a:r>
-            <a:r>
-              <a:rPr lang="sv-SE" dirty="0" smtClean="0"/>
-              <a:t>så att ”Same site </a:t>
+              <a:t>XSS går i korthet ut på att en attackerare får sin JavaScript-kod att komma ifrån samma server som originalkoden så att ”Same site </a:t>
             </a:r>
             <a:r>
               <a:rPr lang="sv-SE" dirty="0" err="1" smtClean="0"/>
@@ -10008,7 +10102,7 @@
           </a:prstGeom>
           <a:noFill/>
           <a:extLst>
-            <a:ext uri="{909E8E84-426E-40DD-AFC4-6F175D3DCCD1}">
+            <a:ext uri="{909E8E84-426E-40dd-AFC4-6F175D3DCCD1}">
               <a14:hiddenFill xmlns:a14="http://schemas.microsoft.com/office/drawing/2010/main">
                 <a:solidFill>
                   <a:srgbClr val="FFFFFF"/>
@@ -10049,7 +10143,7 @@
           </a:prstGeom>
           <a:noFill/>
           <a:extLst>
-            <a:ext uri="{909E8E84-426E-40DD-AFC4-6F175D3DCCD1}">
+            <a:ext uri="{909E8E84-426E-40dd-AFC4-6F175D3DCCD1}">
               <a14:hiddenFill xmlns:a14="http://schemas.microsoft.com/office/drawing/2010/main">
                 <a:solidFill>
                   <a:srgbClr val="FFFFFF"/>
@@ -10090,7 +10184,7 @@
           </a:prstGeom>
           <a:noFill/>
           <a:extLst>
-            <a:ext uri="{909E8E84-426E-40DD-AFC4-6F175D3DCCD1}">
+            <a:ext uri="{909E8E84-426E-40dd-AFC4-6F175D3DCCD1}">
               <a14:hiddenFill xmlns:a14="http://schemas.microsoft.com/office/drawing/2010/main">
                 <a:solidFill>
                   <a:srgbClr val="FFFFFF"/>
@@ -10131,7 +10225,7 @@
           </a:prstGeom>
           <a:noFill/>
           <a:extLst>
-            <a:ext uri="{909E8E84-426E-40DD-AFC4-6F175D3DCCD1}">
+            <a:ext uri="{909E8E84-426E-40dd-AFC4-6F175D3DCCD1}">
               <a14:hiddenFill xmlns:a14="http://schemas.microsoft.com/office/drawing/2010/main">
                 <a:solidFill>
                   <a:srgbClr val="FFFFFF"/>
@@ -10154,7 +10248,7 @@
   <p:timing>
     <p:tnLst>
       <p:par>
-        <p:cTn id="1" dur="indefinite" restart="never" nodeType="tmRoot"/>
+        <p:cTn xmlns:p14="http://schemas.microsoft.com/office/powerpoint/2010/main" id="1" dur="indefinite" restart="never" nodeType="tmRoot"/>
       </p:par>
     </p:tnLst>
   </p:timing>
@@ -10232,7 +10326,7 @@
           </a:prstGeom>
           <a:noFill/>
           <a:extLst>
-            <a:ext uri="{909E8E84-426E-40DD-AFC4-6F175D3DCCD1}">
+            <a:ext uri="{909E8E84-426E-40dd-AFC4-6F175D3DCCD1}">
               <a14:hiddenFill xmlns:a14="http://schemas.microsoft.com/office/drawing/2010/main">
                 <a:solidFill>
                   <a:srgbClr val="FFFFFF"/>
@@ -10273,7 +10367,7 @@
           </a:prstGeom>
           <a:noFill/>
           <a:extLst>
-            <a:ext uri="{909E8E84-426E-40DD-AFC4-6F175D3DCCD1}">
+            <a:ext uri="{909E8E84-426E-40dd-AFC4-6F175D3DCCD1}">
               <a14:hiddenFill xmlns:a14="http://schemas.microsoft.com/office/drawing/2010/main">
                 <a:solidFill>
                   <a:srgbClr val="FFFFFF"/>
@@ -10321,7 +10415,7 @@
           </a:prstGeom>
           <a:noFill/>
           <a:extLst>
-            <a:ext uri="{909E8E84-426E-40DD-AFC4-6F175D3DCCD1}">
+            <a:ext uri="{909E8E84-426E-40dd-AFC4-6F175D3DCCD1}">
               <a14:hiddenFill xmlns:a14="http://schemas.microsoft.com/office/drawing/2010/main">
                 <a:solidFill>
                   <a:srgbClr val="FFFFFF"/>
@@ -10362,7 +10456,7 @@
           </a:prstGeom>
           <a:noFill/>
           <a:extLst>
-            <a:ext uri="{909E8E84-426E-40DD-AFC4-6F175D3DCCD1}">
+            <a:ext uri="{909E8E84-426E-40dd-AFC4-6F175D3DCCD1}">
               <a14:hiddenFill xmlns:a14="http://schemas.microsoft.com/office/drawing/2010/main">
                 <a:solidFill>
                   <a:srgbClr val="FFFFFF"/>
@@ -10437,7 +10531,7 @@
           </a:prstGeom>
           <a:noFill/>
           <a:extLst>
-            <a:ext uri="{909E8E84-426E-40DD-AFC4-6F175D3DCCD1}">
+            <a:ext uri="{909E8E84-426E-40dd-AFC4-6F175D3DCCD1}">
               <a14:hiddenFill xmlns:a14="http://schemas.microsoft.com/office/drawing/2010/main">
                 <a:solidFill>
                   <a:srgbClr val="FFFFFF"/>
@@ -10595,7 +10689,7 @@
           </a:prstGeom>
           <a:noFill/>
           <a:extLst>
-            <a:ext uri="{909E8E84-426E-40DD-AFC4-6F175D3DCCD1}">
+            <a:ext uri="{909E8E84-426E-40dd-AFC4-6F175D3DCCD1}">
               <a14:hiddenFill xmlns:a14="http://schemas.microsoft.com/office/drawing/2010/main">
                 <a:solidFill>
                   <a:srgbClr val="FFFFFF"/>
@@ -10724,7 +10818,7 @@
   <p:timing>
     <p:tnLst>
       <p:par>
-        <p:cTn id="1" dur="indefinite" restart="never" nodeType="tmRoot">
+        <p:cTn xmlns:p14="http://schemas.microsoft.com/office/powerpoint/2010/main" id="1" dur="indefinite" restart="never" nodeType="tmRoot">
           <p:childTnLst>
             <p:seq concurrent="1" nextAc="seek">
               <p:cTn id="2" dur="indefinite" nodeType="mainSeq">
@@ -10935,7 +11029,7 @@
           </a:prstGeom>
           <a:noFill/>
           <a:extLst>
-            <a:ext uri="{909E8E84-426E-40DD-AFC4-6F175D3DCCD1}">
+            <a:ext uri="{909E8E84-426E-40dd-AFC4-6F175D3DCCD1}">
               <a14:hiddenFill xmlns:a14="http://schemas.microsoft.com/office/drawing/2010/main">
                 <a:solidFill>
                   <a:srgbClr val="FFFFFF"/>
@@ -10976,7 +11070,7 @@
           </a:prstGeom>
           <a:noFill/>
           <a:extLst>
-            <a:ext uri="{909E8E84-426E-40DD-AFC4-6F175D3DCCD1}">
+            <a:ext uri="{909E8E84-426E-40dd-AFC4-6F175D3DCCD1}">
               <a14:hiddenFill xmlns:a14="http://schemas.microsoft.com/office/drawing/2010/main">
                 <a:solidFill>
                   <a:srgbClr val="FFFFFF"/>
@@ -11024,7 +11118,7 @@
           </a:prstGeom>
           <a:noFill/>
           <a:extLst>
-            <a:ext uri="{909E8E84-426E-40DD-AFC4-6F175D3DCCD1}">
+            <a:ext uri="{909E8E84-426E-40dd-AFC4-6F175D3DCCD1}">
               <a14:hiddenFill xmlns:a14="http://schemas.microsoft.com/office/drawing/2010/main">
                 <a:solidFill>
                   <a:srgbClr val="FFFFFF"/>
@@ -11065,7 +11159,7 @@
           </a:prstGeom>
           <a:noFill/>
           <a:extLst>
-            <a:ext uri="{909E8E84-426E-40DD-AFC4-6F175D3DCCD1}">
+            <a:ext uri="{909E8E84-426E-40dd-AFC4-6F175D3DCCD1}">
               <a14:hiddenFill xmlns:a14="http://schemas.microsoft.com/office/drawing/2010/main">
                 <a:solidFill>
                   <a:srgbClr val="FFFFFF"/>
@@ -11174,7 +11268,7 @@
           </a:prstGeom>
           <a:noFill/>
           <a:extLst>
-            <a:ext uri="{909E8E84-426E-40DD-AFC4-6F175D3DCCD1}">
+            <a:ext uri="{909E8E84-426E-40dd-AFC4-6F175D3DCCD1}">
               <a14:hiddenFill xmlns:a14="http://schemas.microsoft.com/office/drawing/2010/main">
                 <a:solidFill>
                   <a:srgbClr val="FFFFFF"/>
@@ -11284,14 +11378,14 @@
           </a:ln>
           <a:effectLst/>
           <a:extLst>
-            <a:ext uri="{909E8E84-426E-40DD-AFC4-6F175D3DCCD1}">
+            <a:ext uri="{909E8E84-426E-40dd-AFC4-6F175D3DCCD1}">
               <a14:hiddenFill xmlns:a14="http://schemas.microsoft.com/office/drawing/2010/main">
                 <a:solidFill>
                   <a:schemeClr val="accent1"/>
                 </a:solidFill>
               </a14:hiddenFill>
             </a:ext>
-            <a:ext uri="{91240B29-F687-4F45-9708-019B960494DF}">
+            <a:ext uri="{91240B29-F687-4f45-9708-019B960494DF}">
               <a14:hiddenLine xmlns:a14="http://schemas.microsoft.com/office/drawing/2010/main" w="9525">
                 <a:solidFill>
                   <a:schemeClr val="tx1"/>
@@ -11301,7 +11395,7 @@
                 <a:tailEnd/>
               </a14:hiddenLine>
             </a:ext>
-            <a:ext uri="{AF507438-7753-43E0-B8FC-AC1667EBCBE1}">
+            <a:ext uri="{AF507438-7753-43e0-B8FC-AC1667EBCBE1}">
               <a14:hiddenEffects xmlns:a14="http://schemas.microsoft.com/office/drawing/2010/main">
                 <a:effectLst>
                   <a:outerShdw dist="35921" dir="2700000" algn="ctr" rotWithShape="0">
@@ -11344,7 +11438,7 @@
           </a:prstGeom>
           <a:noFill/>
           <a:extLst>
-            <a:ext uri="{909E8E84-426E-40DD-AFC4-6F175D3DCCD1}">
+            <a:ext uri="{909E8E84-426E-40dd-AFC4-6F175D3DCCD1}">
               <a14:hiddenFill xmlns:a14="http://schemas.microsoft.com/office/drawing/2010/main">
                 <a:solidFill>
                   <a:srgbClr val="FFFFFF"/>
@@ -11385,7 +11479,7 @@
           </a:prstGeom>
           <a:noFill/>
           <a:extLst>
-            <a:ext uri="{909E8E84-426E-40DD-AFC4-6F175D3DCCD1}">
+            <a:ext uri="{909E8E84-426E-40dd-AFC4-6F175D3DCCD1}">
               <a14:hiddenFill xmlns:a14="http://schemas.microsoft.com/office/drawing/2010/main">
                 <a:solidFill>
                   <a:srgbClr val="FFFFFF"/>
@@ -11611,7 +11705,7 @@
           </a:prstGeom>
           <a:noFill/>
           <a:extLst>
-            <a:ext uri="{909E8E84-426E-40DD-AFC4-6F175D3DCCD1}">
+            <a:ext uri="{909E8E84-426E-40dd-AFC4-6F175D3DCCD1}">
               <a14:hiddenFill xmlns:a14="http://schemas.microsoft.com/office/drawing/2010/main">
                 <a:solidFill>
                   <a:srgbClr val="FFFFFF"/>
@@ -11634,7 +11728,7 @@
   <p:timing>
     <p:tnLst>
       <p:par>
-        <p:cTn id="1" dur="indefinite" restart="never" nodeType="tmRoot">
+        <p:cTn xmlns:p14="http://schemas.microsoft.com/office/powerpoint/2010/main" id="1" dur="indefinite" restart="never" nodeType="tmRoot">
           <p:childTnLst>
             <p:seq concurrent="1" nextAc="seek">
               <p:cTn id="2" dur="indefinite" nodeType="mainSeq">
@@ -12464,7 +12558,7 @@
           </a:prstGeom>
           <a:noFill/>
           <a:extLst>
-            <a:ext uri="{909E8E84-426E-40DD-AFC4-6F175D3DCCD1}">
+            <a:ext uri="{909E8E84-426E-40dd-AFC4-6F175D3DCCD1}">
               <a14:hiddenFill xmlns:a14="http://schemas.microsoft.com/office/drawing/2010/main">
                 <a:solidFill>
                   <a:srgbClr val="FFFFFF"/>
@@ -12487,7 +12581,7 @@
   <p:timing>
     <p:tnLst>
       <p:par>
-        <p:cTn id="1" dur="indefinite" restart="never" nodeType="tmRoot">
+        <p:cTn xmlns:p14="http://schemas.microsoft.com/office/powerpoint/2010/main" id="1" dur="indefinite" restart="never" nodeType="tmRoot">
           <p:childTnLst>
             <p:seq concurrent="1" nextAc="seek">
               <p:cTn id="2" dur="indefinite" nodeType="mainSeq">
@@ -12667,6 +12761,680 @@
           <a:lstStyle/>
           <a:p>
             <a:r>
+              <a:rPr lang="en-US" sz="3200" dirty="0" smtClean="0"/>
+              <a:t>Cross-Site Request Forgery (CSRF)</a:t>
+            </a:r>
+            <a:endParaRPr lang="en-US" sz="3200" dirty="0"/>
+          </a:p>
+        </p:txBody>
+      </p:sp>
+      <p:pic>
+        <p:nvPicPr>
+          <p:cNvPr id="5" name="Picture 4" descr="P:\Icons\128x128\shadow\server_network.png"/>
+          <p:cNvPicPr>
+            <a:picLocks noChangeAspect="1" noChangeArrowheads="1"/>
+          </p:cNvPicPr>
+          <p:nvPr/>
+        </p:nvPicPr>
+        <p:blipFill>
+          <a:blip r:embed="rId2">
+            <a:extLst>
+              <a:ext uri="{28A0092B-C50C-407E-A947-70E740481C1C}">
+                <a14:useLocalDpi xmlns:a14="http://schemas.microsoft.com/office/drawing/2010/main" val="0"/>
+              </a:ext>
+            </a:extLst>
+          </a:blip>
+          <a:srcRect/>
+          <a:stretch>
+            <a:fillRect/>
+          </a:stretch>
+        </p:blipFill>
+        <p:spPr bwMode="auto">
+          <a:xfrm>
+            <a:off x="5868144" y="3577580"/>
+            <a:ext cx="1656184" cy="1656185"/>
+          </a:xfrm>
+          <a:prstGeom prst="rect">
+            <a:avLst/>
+          </a:prstGeom>
+          <a:noFill/>
+          <a:extLst>
+            <a:ext uri="{909E8E84-426E-40dd-AFC4-6F175D3DCCD1}">
+              <a14:hiddenFill xmlns:a14="http://schemas.microsoft.com/office/drawing/2010/main">
+                <a:solidFill>
+                  <a:srgbClr val="FFFFFF"/>
+                </a:solidFill>
+              </a14:hiddenFill>
+            </a:ext>
+          </a:extLst>
+        </p:spPr>
+      </p:pic>
+      <p:pic>
+        <p:nvPicPr>
+          <p:cNvPr id="6" name="Picture 2" descr="P:\Icons\128x128\shadow\workplace.png"/>
+          <p:cNvPicPr>
+            <a:picLocks noChangeAspect="1" noChangeArrowheads="1"/>
+          </p:cNvPicPr>
+          <p:nvPr/>
+        </p:nvPicPr>
+        <p:blipFill>
+          <a:blip r:embed="rId3">
+            <a:extLst>
+              <a:ext uri="{28A0092B-C50C-407E-A947-70E740481C1C}">
+                <a14:useLocalDpi xmlns:a14="http://schemas.microsoft.com/office/drawing/2010/main" val="0"/>
+              </a:ext>
+            </a:extLst>
+          </a:blip>
+          <a:srcRect/>
+          <a:stretch>
+            <a:fillRect/>
+          </a:stretch>
+        </p:blipFill>
+        <p:spPr bwMode="auto">
+          <a:xfrm>
+            <a:off x="971600" y="3577580"/>
+            <a:ext cx="1646237" cy="1646237"/>
+          </a:xfrm>
+          <a:prstGeom prst="rect">
+            <a:avLst/>
+          </a:prstGeom>
+          <a:noFill/>
+          <a:extLst>
+            <a:ext uri="{909E8E84-426E-40dd-AFC4-6F175D3DCCD1}">
+              <a14:hiddenFill xmlns:a14="http://schemas.microsoft.com/office/drawing/2010/main">
+                <a:solidFill>
+                  <a:srgbClr val="FFFFFF"/>
+                </a:solidFill>
+              </a14:hiddenFill>
+            </a:ext>
+          </a:extLst>
+        </p:spPr>
+      </p:pic>
+      <p:pic>
+        <p:nvPicPr>
+          <p:cNvPr id="7" name="Picture 6" descr="P:\Icons\128x128\shadow\spy.png"/>
+          <p:cNvPicPr>
+            <a:picLocks noChangeAspect="1" noChangeArrowheads="1"/>
+          </p:cNvPicPr>
+          <p:nvPr/>
+        </p:nvPicPr>
+        <p:blipFill>
+          <a:blip r:embed="rId4" cstate="print">
+            <a:extLst>
+              <a:ext uri="{28A0092B-C50C-407E-A947-70E740481C1C}">
+                <a14:useLocalDpi xmlns:a14="http://schemas.microsoft.com/office/drawing/2010/main" val="0"/>
+              </a:ext>
+            </a:extLst>
+          </a:blip>
+          <a:srcRect/>
+          <a:stretch>
+            <a:fillRect/>
+          </a:stretch>
+        </p:blipFill>
+        <p:spPr bwMode="auto">
+          <a:xfrm>
+            <a:off x="6732240" y="1057300"/>
+            <a:ext cx="679136" cy="679136"/>
+          </a:xfrm>
+          <a:prstGeom prst="rect">
+            <a:avLst/>
+          </a:prstGeom>
+          <a:noFill/>
+          <a:extLst>
+            <a:ext uri="{909E8E84-426E-40dd-AFC4-6F175D3DCCD1}">
+              <a14:hiddenFill xmlns:a14="http://schemas.microsoft.com/office/drawing/2010/main">
+                <a:solidFill>
+                  <a:srgbClr val="FFFFFF"/>
+                </a:solidFill>
+              </a14:hiddenFill>
+            </a:ext>
+          </a:extLst>
+        </p:spPr>
+      </p:pic>
+      <p:pic>
+        <p:nvPicPr>
+          <p:cNvPr id="9" name="Picture 8" descr="P:\Icons\128x128\shadow\server_network.png"/>
+          <p:cNvPicPr>
+            <a:picLocks noChangeAspect="1" noChangeArrowheads="1"/>
+          </p:cNvPicPr>
+          <p:nvPr/>
+        </p:nvPicPr>
+        <p:blipFill>
+          <a:blip r:embed="rId2">
+            <a:duotone>
+              <a:schemeClr val="accent3">
+                <a:shade val="45000"/>
+                <a:satMod val="135000"/>
+              </a:schemeClr>
+              <a:prstClr val="white"/>
+            </a:duotone>
+            <a:extLst>
+              <a:ext uri="{28A0092B-C50C-407E-A947-70E740481C1C}">
+                <a14:useLocalDpi xmlns:a14="http://schemas.microsoft.com/office/drawing/2010/main" val="0"/>
+              </a:ext>
+            </a:extLst>
+          </a:blip>
+          <a:srcRect/>
+          <a:stretch>
+            <a:fillRect/>
+          </a:stretch>
+        </p:blipFill>
+        <p:spPr bwMode="auto">
+          <a:xfrm>
+            <a:off x="5796136" y="1345332"/>
+            <a:ext cx="1584176" cy="1584177"/>
+          </a:xfrm>
+          <a:prstGeom prst="rect">
+            <a:avLst/>
+          </a:prstGeom>
+          <a:noFill/>
+          <a:extLst>
+            <a:ext uri="{909E8E84-426E-40dd-AFC4-6F175D3DCCD1}">
+              <a14:hiddenFill xmlns:a14="http://schemas.microsoft.com/office/drawing/2010/main">
+                <a:solidFill>
+                  <a:srgbClr val="FFFFFF"/>
+                </a:solidFill>
+              </a14:hiddenFill>
+            </a:ext>
+          </a:extLst>
+        </p:spPr>
+      </p:pic>
+      <p:pic>
+        <p:nvPicPr>
+          <p:cNvPr id="10" name="Picture 2" descr="C:\Users\tstjo\AppData\Local\Temp\SNAGHTML9b8e1343.PNG"/>
+          <p:cNvPicPr>
+            <a:picLocks noChangeAspect="1" noChangeArrowheads="1"/>
+          </p:cNvPicPr>
+          <p:nvPr/>
+        </p:nvPicPr>
+        <p:blipFill>
+          <a:blip r:embed="rId5" cstate="print">
+            <a:extLst>
+              <a:ext uri="{28A0092B-C50C-407E-A947-70E740481C1C}">
+                <a14:useLocalDpi xmlns:a14="http://schemas.microsoft.com/office/drawing/2010/main" val="0"/>
+              </a:ext>
+            </a:extLst>
+          </a:blip>
+          <a:srcRect/>
+          <a:stretch>
+            <a:fillRect/>
+          </a:stretch>
+        </p:blipFill>
+        <p:spPr bwMode="auto">
+          <a:xfrm>
+            <a:off x="1331640" y="2569468"/>
+            <a:ext cx="1497830" cy="1359872"/>
+          </a:xfrm>
+          <a:prstGeom prst="rect">
+            <a:avLst/>
+          </a:prstGeom>
+          <a:ln>
+            <a:noFill/>
+          </a:ln>
+          <a:effectLst>
+            <a:outerShdw blurRad="190500" algn="tl" rotWithShape="0">
+              <a:srgbClr val="000000">
+                <a:alpha val="70000"/>
+              </a:srgbClr>
+            </a:outerShdw>
+          </a:effectLst>
+          <a:extLst>
+            <a:ext uri="{909E8E84-426E-40dd-AFC4-6F175D3DCCD1}">
+              <a14:hiddenFill xmlns:a14="http://schemas.microsoft.com/office/drawing/2010/main">
+                <a:solidFill>
+                  <a:srgbClr val="FFFFFF"/>
+                </a:solidFill>
+              </a14:hiddenFill>
+            </a:ext>
+          </a:extLst>
+        </p:spPr>
+      </p:pic>
+      <p:pic>
+        <p:nvPicPr>
+          <p:cNvPr id="11" name="Picture 2" descr="C:\Users\tstjo\AppData\Local\Temp\SNAGHTML9b8e1343.PNG"/>
+          <p:cNvPicPr>
+            <a:picLocks noChangeAspect="1" noChangeArrowheads="1"/>
+          </p:cNvPicPr>
+          <p:nvPr/>
+        </p:nvPicPr>
+        <p:blipFill>
+          <a:blip r:embed="rId5" cstate="print">
+            <a:extLst>
+              <a:ext uri="{28A0092B-C50C-407E-A947-70E740481C1C}">
+                <a14:useLocalDpi xmlns:a14="http://schemas.microsoft.com/office/drawing/2010/main" val="0"/>
+              </a:ext>
+            </a:extLst>
+          </a:blip>
+          <a:srcRect/>
+          <a:stretch>
+            <a:fillRect/>
+          </a:stretch>
+        </p:blipFill>
+        <p:spPr bwMode="auto">
+          <a:xfrm>
+            <a:off x="1907704" y="1921396"/>
+            <a:ext cx="1497830" cy="1359872"/>
+          </a:xfrm>
+          <a:prstGeom prst="rect">
+            <a:avLst/>
+          </a:prstGeom>
+          <a:ln>
+            <a:noFill/>
+          </a:ln>
+          <a:effectLst>
+            <a:outerShdw blurRad="190500" algn="tl" rotWithShape="0">
+              <a:srgbClr val="000000">
+                <a:alpha val="70000"/>
+              </a:srgbClr>
+            </a:outerShdw>
+          </a:effectLst>
+          <a:extLst>
+            <a:ext uri="{909E8E84-426E-40dd-AFC4-6F175D3DCCD1}">
+              <a14:hiddenFill xmlns:a14="http://schemas.microsoft.com/office/drawing/2010/main">
+                <a:solidFill>
+                  <a:srgbClr val="FFFFFF"/>
+                </a:solidFill>
+              </a14:hiddenFill>
+            </a:ext>
+          </a:extLst>
+        </p:spPr>
+      </p:pic>
+      <p:cxnSp>
+        <p:nvCxnSpPr>
+          <p:cNvPr id="13" name="Straight Arrow Connector 12"/>
+          <p:cNvCxnSpPr/>
+          <p:nvPr/>
+        </p:nvCxnSpPr>
+        <p:spPr>
+          <a:xfrm>
+            <a:off x="2915816" y="3865612"/>
+            <a:ext cx="3168352" cy="576064"/>
+          </a:xfrm>
+          <a:prstGeom prst="straightConnector1">
+            <a:avLst/>
+          </a:prstGeom>
+          <a:ln w="19050">
+            <a:solidFill>
+              <a:schemeClr val="tx1"/>
+            </a:solidFill>
+            <a:headEnd type="arrow"/>
+            <a:tailEnd type="arrow"/>
+          </a:ln>
+        </p:spPr>
+        <p:style>
+          <a:lnRef idx="1">
+            <a:schemeClr val="accent1"/>
+          </a:lnRef>
+          <a:fillRef idx="0">
+            <a:schemeClr val="accent1"/>
+          </a:fillRef>
+          <a:effectRef idx="0">
+            <a:schemeClr val="accent1"/>
+          </a:effectRef>
+          <a:fontRef idx="minor">
+            <a:schemeClr val="tx1"/>
+          </a:fontRef>
+        </p:style>
+      </p:cxnSp>
+      <p:cxnSp>
+        <p:nvCxnSpPr>
+          <p:cNvPr id="14" name="Straight Arrow Connector 13"/>
+          <p:cNvCxnSpPr/>
+          <p:nvPr/>
+        </p:nvCxnSpPr>
+        <p:spPr>
+          <a:xfrm flipV="1">
+            <a:off x="3059832" y="1705372"/>
+            <a:ext cx="3024336" cy="504056"/>
+          </a:xfrm>
+          <a:prstGeom prst="straightConnector1">
+            <a:avLst/>
+          </a:prstGeom>
+          <a:ln w="19050">
+            <a:solidFill>
+              <a:schemeClr val="tx1"/>
+            </a:solidFill>
+            <a:headEnd type="arrow"/>
+            <a:tailEnd type="arrow"/>
+          </a:ln>
+        </p:spPr>
+        <p:style>
+          <a:lnRef idx="1">
+            <a:schemeClr val="accent1"/>
+          </a:lnRef>
+          <a:fillRef idx="0">
+            <a:schemeClr val="accent1"/>
+          </a:fillRef>
+          <a:effectRef idx="0">
+            <a:schemeClr val="accent1"/>
+          </a:effectRef>
+          <a:fontRef idx="minor">
+            <a:schemeClr val="tx1"/>
+          </a:fontRef>
+        </p:style>
+      </p:cxnSp>
+      <p:cxnSp>
+        <p:nvCxnSpPr>
+          <p:cNvPr id="17" name="Straight Arrow Connector 16"/>
+          <p:cNvCxnSpPr/>
+          <p:nvPr/>
+        </p:nvCxnSpPr>
+        <p:spPr>
+          <a:xfrm>
+            <a:off x="2987824" y="2785492"/>
+            <a:ext cx="3168352" cy="1152128"/>
+          </a:xfrm>
+          <a:prstGeom prst="straightConnector1">
+            <a:avLst/>
+          </a:prstGeom>
+          <a:ln w="19050">
+            <a:solidFill>
+              <a:schemeClr val="tx1"/>
+            </a:solidFill>
+            <a:headEnd type="arrow"/>
+            <a:tailEnd type="arrow"/>
+          </a:ln>
+        </p:spPr>
+        <p:style>
+          <a:lnRef idx="1">
+            <a:schemeClr val="accent1"/>
+          </a:lnRef>
+          <a:fillRef idx="0">
+            <a:schemeClr val="accent1"/>
+          </a:fillRef>
+          <a:effectRef idx="0">
+            <a:schemeClr val="accent1"/>
+          </a:effectRef>
+          <a:fontRef idx="minor">
+            <a:schemeClr val="tx1"/>
+          </a:fontRef>
+        </p:style>
+      </p:cxnSp>
+    </p:spTree>
+    <p:extLst>
+      <p:ext uri="{BB962C8B-B14F-4D97-AF65-F5344CB8AC3E}">
+        <p14:creationId xmlns:p14="http://schemas.microsoft.com/office/powerpoint/2010/main" val="3006491424"/>
+      </p:ext>
+    </p:extLst>
+  </p:cSld>
+  <p:clrMapOvr>
+    <a:masterClrMapping/>
+  </p:clrMapOvr>
+  <p:timing>
+    <p:tnLst>
+      <p:par>
+        <p:cTn xmlns:p14="http://schemas.microsoft.com/office/powerpoint/2010/main" id="1" dur="indefinite" restart="never" nodeType="tmRoot"/>
+      </p:par>
+    </p:tnLst>
+  </p:timing>
+</p:sld>
+</file>
+
+<file path=ppt/slides/slide2.xml><?xml version="1.0" encoding="utf-8"?>
+<p:sld xmlns:a="http://schemas.openxmlformats.org/drawingml/2006/main" xmlns:r="http://schemas.openxmlformats.org/officeDocument/2006/relationships" xmlns:p="http://schemas.openxmlformats.org/presentationml/2006/main">
+  <p:cSld>
+    <p:spTree>
+      <p:nvGrpSpPr>
+        <p:cNvPr id="1" name=""/>
+        <p:cNvGrpSpPr/>
+        <p:nvPr/>
+      </p:nvGrpSpPr>
+      <p:grpSpPr>
+        <a:xfrm>
+          <a:off x="0" y="0"/>
+          <a:ext cx="0" cy="0"/>
+          <a:chOff x="0" y="0"/>
+          <a:chExt cx="0" cy="0"/>
+        </a:xfrm>
+      </p:grpSpPr>
+      <p:sp>
+        <p:nvSpPr>
+          <p:cNvPr id="2" name="Title 1"/>
+          <p:cNvSpPr>
+            <a:spLocks noGrp="1"/>
+          </p:cNvSpPr>
+          <p:nvPr>
+            <p:ph type="ctrTitle"/>
+          </p:nvPr>
+        </p:nvSpPr>
+        <p:spPr/>
+        <p:txBody>
+          <a:bodyPr/>
+          <a:lstStyle/>
+          <a:p>
+            <a:r>
+              <a:rPr lang="sv-SE" dirty="0" smtClean="0"/>
+              <a:t>E11 – </a:t>
+            </a:r>
+            <a:r>
+              <a:rPr lang="sv-SE" dirty="0" err="1" smtClean="0"/>
+              <a:t>Protection</a:t>
+            </a:r>
+            <a:endParaRPr lang="sv-SE" sz="3200" dirty="0"/>
+          </a:p>
+        </p:txBody>
+      </p:sp>
+      <p:sp>
+        <p:nvSpPr>
+          <p:cNvPr id="4" name="TextBox 3"/>
+          <p:cNvSpPr txBox="1"/>
+          <p:nvPr/>
+        </p:nvSpPr>
+        <p:spPr>
+          <a:xfrm>
+            <a:off x="1403648" y="1378601"/>
+            <a:ext cx="2678938" cy="3724096"/>
+          </a:xfrm>
+          <a:prstGeom prst="rect">
+            <a:avLst/>
+          </a:prstGeom>
+          <a:noFill/>
+        </p:spPr>
+        <p:txBody>
+          <a:bodyPr wrap="none" rtlCol="0">
+            <a:spAutoFit/>
+          </a:bodyPr>
+          <a:lstStyle/>
+          <a:p>
+            <a:r>
+              <a:rPr lang="sv-SE" sz="2800" b="1" dirty="0" smtClean="0">
+                <a:latin typeface="Minya Nouvelle" pitchFamily="2" charset="0"/>
+              </a:rPr>
+              <a:t>Dagens agenda</a:t>
+            </a:r>
+          </a:p>
+          <a:p>
+            <a:endParaRPr lang="sv-SE" sz="2800" dirty="0" smtClean="0">
+              <a:latin typeface="Minya Nouvelle" pitchFamily="2" charset="0"/>
+            </a:endParaRPr>
+          </a:p>
+          <a:p>
+            <a:pPr marL="285750" indent="-285750">
+              <a:buFont typeface="Arial" charset="0"/>
+              <a:buChar char="•"/>
+            </a:pPr>
+            <a:r>
+              <a:rPr lang="sv-SE" dirty="0" smtClean="0">
+                <a:latin typeface="Minya Nouvelle" pitchFamily="2" charset="0"/>
+              </a:rPr>
+              <a:t>Tillgänglighet</a:t>
+            </a:r>
+          </a:p>
+          <a:p>
+            <a:pPr marL="285750" indent="-285750">
+              <a:buFont typeface="Arial" charset="0"/>
+              <a:buChar char="•"/>
+            </a:pPr>
+            <a:r>
+              <a:rPr lang="sv-SE" dirty="0" smtClean="0">
+                <a:latin typeface="Minya Nouvelle" pitchFamily="2" charset="0"/>
+              </a:rPr>
+              <a:t>Säkerhet</a:t>
+            </a:r>
+          </a:p>
+          <a:p>
+            <a:pPr marL="285750" indent="-285750">
+              <a:buFont typeface="Arial" charset="0"/>
+              <a:buChar char="•"/>
+            </a:pPr>
+            <a:endParaRPr lang="sv-SE" dirty="0" smtClean="0">
+              <a:latin typeface="Minya Nouvelle" pitchFamily="2" charset="0"/>
+            </a:endParaRPr>
+          </a:p>
+          <a:p>
+            <a:pPr marL="285750" indent="-285750">
+              <a:buFont typeface="Arial" charset="0"/>
+              <a:buChar char="•"/>
+            </a:pPr>
+            <a:endParaRPr lang="sv-SE" dirty="0" smtClean="0">
+              <a:latin typeface="Minya Nouvelle" pitchFamily="2" charset="0"/>
+            </a:endParaRPr>
+          </a:p>
+          <a:p>
+            <a:pPr marL="285750" indent="-285750">
+              <a:buFont typeface="Arial" charset="0"/>
+              <a:buChar char="•"/>
+            </a:pPr>
+            <a:endParaRPr lang="sv-SE" dirty="0" smtClean="0">
+              <a:latin typeface="Minya Nouvelle" pitchFamily="2" charset="0"/>
+            </a:endParaRPr>
+          </a:p>
+          <a:p>
+            <a:pPr marL="285750" indent="-285750">
+              <a:buFont typeface="Arial" charset="0"/>
+              <a:buChar char="•"/>
+            </a:pPr>
+            <a:endParaRPr lang="sv-SE" dirty="0" smtClean="0">
+              <a:latin typeface="Minya Nouvelle" pitchFamily="2" charset="0"/>
+            </a:endParaRPr>
+          </a:p>
+          <a:p>
+            <a:pPr marL="285750" indent="-285750">
+              <a:buFont typeface="Arial" charset="0"/>
+              <a:buChar char="•"/>
+            </a:pPr>
+            <a:endParaRPr lang="sv-SE" dirty="0" smtClean="0">
+              <a:latin typeface="Minya Nouvelle" pitchFamily="2" charset="0"/>
+            </a:endParaRPr>
+          </a:p>
+          <a:p>
+            <a:pPr marL="285750" indent="-285750">
+              <a:buFont typeface="Arial" charset="0"/>
+              <a:buChar char="•"/>
+            </a:pPr>
+            <a:endParaRPr lang="sv-SE" dirty="0" smtClean="0">
+              <a:latin typeface="Minya Nouvelle" pitchFamily="2" charset="0"/>
+            </a:endParaRPr>
+          </a:p>
+          <a:p>
+            <a:pPr marL="285750" indent="-285750">
+              <a:buFont typeface="Arial" charset="0"/>
+              <a:buChar char="•"/>
+            </a:pPr>
+            <a:endParaRPr lang="sv-SE" dirty="0" smtClean="0">
+              <a:latin typeface="Minya Nouvelle" pitchFamily="2" charset="0"/>
+            </a:endParaRPr>
+          </a:p>
+          <a:p>
+            <a:pPr marL="285750" indent="-285750">
+              <a:buFont typeface="Arial" charset="0"/>
+              <a:buChar char="•"/>
+            </a:pPr>
+            <a:endParaRPr lang="sv-SE" dirty="0" smtClean="0">
+              <a:latin typeface="Minya Nouvelle" pitchFamily="2" charset="0"/>
+            </a:endParaRPr>
+          </a:p>
+        </p:txBody>
+      </p:sp>
+      <p:pic>
+        <p:nvPicPr>
+          <p:cNvPr id="5" name="Picture 2" descr="P:\Icons\128x128\shadow\scroll_preferences.png"/>
+          <p:cNvPicPr>
+            <a:picLocks noChangeAspect="1" noChangeArrowheads="1"/>
+          </p:cNvPicPr>
+          <p:nvPr/>
+        </p:nvPicPr>
+        <p:blipFill>
+          <a:blip r:embed="rId2">
+            <a:extLst>
+              <a:ext uri="{28A0092B-C50C-407E-A947-70E740481C1C}">
+                <a14:useLocalDpi xmlns:a14="http://schemas.microsoft.com/office/drawing/2010/main" val="0"/>
+              </a:ext>
+            </a:extLst>
+          </a:blip>
+          <a:srcRect/>
+          <a:stretch>
+            <a:fillRect/>
+          </a:stretch>
+        </p:blipFill>
+        <p:spPr bwMode="auto">
+          <a:xfrm>
+            <a:off x="7092280" y="500856"/>
+            <a:ext cx="1646237" cy="1646238"/>
+          </a:xfrm>
+          <a:prstGeom prst="rect">
+            <a:avLst/>
+          </a:prstGeom>
+          <a:noFill/>
+          <a:extLst>
+            <a:ext uri="{909E8E84-426E-40dd-AFC4-6F175D3DCCD1}">
+              <a14:hiddenFill xmlns:a14="http://schemas.microsoft.com/office/drawing/2010/main">
+                <a:solidFill>
+                  <a:srgbClr val="FFFFFF"/>
+                </a:solidFill>
+              </a14:hiddenFill>
+            </a:ext>
+          </a:extLst>
+        </p:spPr>
+      </p:pic>
+    </p:spTree>
+  </p:cSld>
+  <p:clrMapOvr>
+    <a:masterClrMapping/>
+  </p:clrMapOvr>
+  <p:timing>
+    <p:tnLst>
+      <p:par>
+        <p:cTn xmlns:p14="http://schemas.microsoft.com/office/powerpoint/2010/main" id="1" dur="indefinite" restart="never" nodeType="tmRoot"/>
+      </p:par>
+    </p:tnLst>
+  </p:timing>
+</p:sld>
+</file>
+
+<file path=ppt/slides/slide20.xml><?xml version="1.0" encoding="utf-8"?>
+<p:sld xmlns:a="http://schemas.openxmlformats.org/drawingml/2006/main" xmlns:r="http://schemas.openxmlformats.org/officeDocument/2006/relationships" xmlns:p="http://schemas.openxmlformats.org/presentationml/2006/main">
+  <p:cSld>
+    <p:spTree>
+      <p:nvGrpSpPr>
+        <p:cNvPr id="1" name=""/>
+        <p:cNvGrpSpPr/>
+        <p:nvPr/>
+      </p:nvGrpSpPr>
+      <p:grpSpPr>
+        <a:xfrm>
+          <a:off x="0" y="0"/>
+          <a:ext cx="0" cy="0"/>
+          <a:chOff x="0" y="0"/>
+          <a:chExt cx="0" cy="0"/>
+        </a:xfrm>
+      </p:grpSpPr>
+      <p:sp>
+        <p:nvSpPr>
+          <p:cNvPr id="2" name="Title 1"/>
+          <p:cNvSpPr>
+            <a:spLocks noGrp="1"/>
+          </p:cNvSpPr>
+          <p:nvPr>
+            <p:ph type="ctrTitle"/>
+          </p:nvPr>
+        </p:nvSpPr>
+        <p:spPr/>
+        <p:txBody>
+          <a:bodyPr/>
+          <a:lstStyle/>
+          <a:p>
+            <a:r>
               <a:rPr lang="sv-SE" dirty="0" smtClean="0"/>
               <a:t>Klient- servervalidering</a:t>
             </a:r>
@@ -13610,7 +14378,7 @@
           </a:prstGeom>
           <a:noFill/>
           <a:extLst>
-            <a:ext uri="{909E8E84-426E-40DD-AFC4-6F175D3DCCD1}">
+            <a:ext uri="{909E8E84-426E-40dd-AFC4-6F175D3DCCD1}">
               <a14:hiddenFill xmlns:a14="http://schemas.microsoft.com/office/drawing/2010/main">
                 <a:solidFill>
                   <a:srgbClr val="FFFFFF"/>
@@ -13651,7 +14419,7 @@
           </a:prstGeom>
           <a:noFill/>
           <a:extLst>
-            <a:ext uri="{909E8E84-426E-40DD-AFC4-6F175D3DCCD1}">
+            <a:ext uri="{909E8E84-426E-40dd-AFC4-6F175D3DCCD1}">
               <a14:hiddenFill xmlns:a14="http://schemas.microsoft.com/office/drawing/2010/main">
                 <a:solidFill>
                   <a:srgbClr val="FFFFFF"/>
@@ -13692,7 +14460,7 @@
           </a:prstGeom>
           <a:noFill/>
           <a:extLst>
-            <a:ext uri="{909E8E84-426E-40DD-AFC4-6F175D3DCCD1}">
+            <a:ext uri="{909E8E84-426E-40dd-AFC4-6F175D3DCCD1}">
               <a14:hiddenFill xmlns:a14="http://schemas.microsoft.com/office/drawing/2010/main">
                 <a:solidFill>
                   <a:srgbClr val="FFFFFF"/>
@@ -13715,7 +14483,7 @@
   <p:timing>
     <p:tnLst>
       <p:par>
-        <p:cTn id="1" dur="indefinite" restart="never" nodeType="tmRoot">
+        <p:cTn xmlns:p14="http://schemas.microsoft.com/office/powerpoint/2010/main" id="1" dur="indefinite" restart="never" nodeType="tmRoot">
           <p:childTnLst>
             <p:seq concurrent="1" nextAc="seek">
               <p:cTn id="2" dur="indefinite" nodeType="mainSeq">
@@ -14161,239 +14929,7 @@
 </p:sld>
 </file>
 
-<file path=ppt/slides/slide2.xml><?xml version="1.0" encoding="utf-8"?>
-<p:sld xmlns:a="http://schemas.openxmlformats.org/drawingml/2006/main" xmlns:r="http://schemas.openxmlformats.org/officeDocument/2006/relationships" xmlns:p="http://schemas.openxmlformats.org/presentationml/2006/main">
-  <p:cSld>
-    <p:spTree>
-      <p:nvGrpSpPr>
-        <p:cNvPr id="1" name=""/>
-        <p:cNvGrpSpPr/>
-        <p:nvPr/>
-      </p:nvGrpSpPr>
-      <p:grpSpPr>
-        <a:xfrm>
-          <a:off x="0" y="0"/>
-          <a:ext cx="0" cy="0"/>
-          <a:chOff x="0" y="0"/>
-          <a:chExt cx="0" cy="0"/>
-        </a:xfrm>
-      </p:grpSpPr>
-      <p:sp>
-        <p:nvSpPr>
-          <p:cNvPr id="2" name="Title 1"/>
-          <p:cNvSpPr>
-            <a:spLocks noGrp="1"/>
-          </p:cNvSpPr>
-          <p:nvPr>
-            <p:ph type="ctrTitle"/>
-          </p:nvPr>
-        </p:nvSpPr>
-        <p:spPr/>
-        <p:txBody>
-          <a:bodyPr/>
-          <a:lstStyle/>
-          <a:p>
-            <a:r>
-              <a:rPr lang="sv-SE" dirty="0" smtClean="0"/>
-              <a:t>E11 – </a:t>
-            </a:r>
-            <a:r>
-              <a:rPr lang="sv-SE" dirty="0" err="1" smtClean="0"/>
-              <a:t>Protection</a:t>
-            </a:r>
-            <a:endParaRPr lang="sv-SE" sz="3200" dirty="0"/>
-          </a:p>
-        </p:txBody>
-      </p:sp>
-      <p:sp>
-        <p:nvSpPr>
-          <p:cNvPr id="4" name="TextBox 3"/>
-          <p:cNvSpPr txBox="1"/>
-          <p:nvPr/>
-        </p:nvSpPr>
-        <p:spPr>
-          <a:xfrm>
-            <a:off x="1403648" y="1378601"/>
-            <a:ext cx="2678938" cy="3724096"/>
-          </a:xfrm>
-          <a:prstGeom prst="rect">
-            <a:avLst/>
-          </a:prstGeom>
-          <a:noFill/>
-        </p:spPr>
-        <p:txBody>
-          <a:bodyPr wrap="none" rtlCol="0">
-            <a:spAutoFit/>
-          </a:bodyPr>
-          <a:lstStyle/>
-          <a:p>
-            <a:r>
-              <a:rPr lang="sv-SE" sz="2800" b="1" dirty="0" smtClean="0">
-                <a:latin typeface="Minya Nouvelle" pitchFamily="2" charset="0"/>
-              </a:rPr>
-              <a:t>Dagens agenda</a:t>
-            </a:r>
-          </a:p>
-          <a:p>
-            <a:endParaRPr lang="sv-SE" sz="2800" dirty="0" smtClean="0">
-              <a:latin typeface="Minya Nouvelle" pitchFamily="2" charset="0"/>
-            </a:endParaRPr>
-          </a:p>
-          <a:p>
-            <a:pPr marL="285750" indent="-285750">
-              <a:buFont typeface="Arial" charset="0"/>
-              <a:buChar char="•"/>
-            </a:pPr>
-            <a:r>
-              <a:rPr lang="sv-SE" dirty="0" smtClean="0">
-                <a:latin typeface="Minya Nouvelle" pitchFamily="2" charset="0"/>
-              </a:rPr>
-              <a:t>Tillgänglighet</a:t>
-            </a:r>
-          </a:p>
-          <a:p>
-            <a:pPr marL="285750" indent="-285750">
-              <a:buFont typeface="Arial" charset="0"/>
-              <a:buChar char="•"/>
-            </a:pPr>
-            <a:r>
-              <a:rPr lang="sv-SE" dirty="0" smtClean="0">
-                <a:latin typeface="Minya Nouvelle" pitchFamily="2" charset="0"/>
-              </a:rPr>
-              <a:t>Säkerhet</a:t>
-            </a:r>
-          </a:p>
-          <a:p>
-            <a:pPr marL="285750" indent="-285750">
-              <a:buFont typeface="Arial" charset="0"/>
-              <a:buChar char="•"/>
-            </a:pPr>
-            <a:endParaRPr lang="sv-SE" dirty="0" smtClean="0">
-              <a:latin typeface="Minya Nouvelle" pitchFamily="2" charset="0"/>
-            </a:endParaRPr>
-          </a:p>
-          <a:p>
-            <a:pPr marL="285750" indent="-285750">
-              <a:buFont typeface="Arial" charset="0"/>
-              <a:buChar char="•"/>
-            </a:pPr>
-            <a:endParaRPr lang="sv-SE" dirty="0" smtClean="0">
-              <a:latin typeface="Minya Nouvelle" pitchFamily="2" charset="0"/>
-            </a:endParaRPr>
-          </a:p>
-          <a:p>
-            <a:pPr marL="285750" indent="-285750">
-              <a:buFont typeface="Arial" charset="0"/>
-              <a:buChar char="•"/>
-            </a:pPr>
-            <a:endParaRPr lang="sv-SE" dirty="0" smtClean="0">
-              <a:latin typeface="Minya Nouvelle" pitchFamily="2" charset="0"/>
-            </a:endParaRPr>
-          </a:p>
-          <a:p>
-            <a:pPr marL="285750" indent="-285750">
-              <a:buFont typeface="Arial" charset="0"/>
-              <a:buChar char="•"/>
-            </a:pPr>
-            <a:endParaRPr lang="sv-SE" dirty="0" smtClean="0">
-              <a:latin typeface="Minya Nouvelle" pitchFamily="2" charset="0"/>
-            </a:endParaRPr>
-          </a:p>
-          <a:p>
-            <a:pPr marL="285750" indent="-285750">
-              <a:buFont typeface="Arial" charset="0"/>
-              <a:buChar char="•"/>
-            </a:pPr>
-            <a:endParaRPr lang="sv-SE" dirty="0" smtClean="0">
-              <a:latin typeface="Minya Nouvelle" pitchFamily="2" charset="0"/>
-            </a:endParaRPr>
-          </a:p>
-          <a:p>
-            <a:pPr marL="285750" indent="-285750">
-              <a:buFont typeface="Arial" charset="0"/>
-              <a:buChar char="•"/>
-            </a:pPr>
-            <a:endParaRPr lang="sv-SE" dirty="0" smtClean="0">
-              <a:latin typeface="Minya Nouvelle" pitchFamily="2" charset="0"/>
-            </a:endParaRPr>
-          </a:p>
-          <a:p>
-            <a:pPr marL="285750" indent="-285750">
-              <a:buFont typeface="Arial" charset="0"/>
-              <a:buChar char="•"/>
-            </a:pPr>
-            <a:endParaRPr lang="sv-SE" dirty="0" smtClean="0">
-              <a:latin typeface="Minya Nouvelle" pitchFamily="2" charset="0"/>
-            </a:endParaRPr>
-          </a:p>
-          <a:p>
-            <a:pPr marL="285750" indent="-285750">
-              <a:buFont typeface="Arial" charset="0"/>
-              <a:buChar char="•"/>
-            </a:pPr>
-            <a:endParaRPr lang="sv-SE" dirty="0" smtClean="0">
-              <a:latin typeface="Minya Nouvelle" pitchFamily="2" charset="0"/>
-            </a:endParaRPr>
-          </a:p>
-        </p:txBody>
-      </p:sp>
-      <p:pic>
-        <p:nvPicPr>
-          <p:cNvPr id="5" name="Picture 2" descr="P:\Icons\128x128\shadow\scroll_preferences.png"/>
-          <p:cNvPicPr>
-            <a:picLocks noChangeAspect="1" noChangeArrowheads="1"/>
-          </p:cNvPicPr>
-          <p:nvPr/>
-        </p:nvPicPr>
-        <p:blipFill>
-          <a:blip r:embed="rId2">
-            <a:extLst>
-              <a:ext uri="{28A0092B-C50C-407E-A947-70E740481C1C}">
-                <a14:useLocalDpi xmlns:a14="http://schemas.microsoft.com/office/drawing/2010/main" val="0"/>
-              </a:ext>
-            </a:extLst>
-          </a:blip>
-          <a:srcRect/>
-          <a:stretch>
-            <a:fillRect/>
-          </a:stretch>
-        </p:blipFill>
-        <p:spPr bwMode="auto">
-          <a:xfrm>
-            <a:off x="7092280" y="500856"/>
-            <a:ext cx="1646237" cy="1646238"/>
-          </a:xfrm>
-          <a:prstGeom prst="rect">
-            <a:avLst/>
-          </a:prstGeom>
-          <a:noFill/>
-          <a:extLst>
-            <a:ext uri="{909E8E84-426E-40DD-AFC4-6F175D3DCCD1}">
-              <a14:hiddenFill xmlns:a14="http://schemas.microsoft.com/office/drawing/2010/main">
-                <a:solidFill>
-                  <a:srgbClr val="FFFFFF"/>
-                </a:solidFill>
-              </a14:hiddenFill>
-            </a:ext>
-          </a:extLst>
-        </p:spPr>
-      </p:pic>
-    </p:spTree>
-  </p:cSld>
-  <p:clrMapOvr>
-    <a:masterClrMapping/>
-  </p:clrMapOvr>
-  <p:timing>
-    <p:tnLst>
-      <p:par>
-        <p:cTn id="1" dur="indefinite" restart="never" nodeType="tmRoot"/>
-      </p:par>
-    </p:tnLst>
-  </p:timing>
-</p:sld>
-</file>
-
-<file path=ppt/slides/slide20.xml><?xml version="1.0" encoding="utf-8"?>
+<file path=ppt/slides/slide21.xml><?xml version="1.0" encoding="utf-8"?>
 <p:sld xmlns:a="http://schemas.openxmlformats.org/drawingml/2006/main" xmlns:r="http://schemas.openxmlformats.org/officeDocument/2006/relationships" xmlns:p="http://schemas.openxmlformats.org/presentationml/2006/main">
   <p:cSld>
     <p:spTree>
@@ -14809,7 +15345,7 @@
           </a:prstGeom>
           <a:noFill/>
           <a:extLst>
-            <a:ext uri="{909E8E84-426E-40DD-AFC4-6F175D3DCCD1}">
+            <a:ext uri="{909E8E84-426E-40dd-AFC4-6F175D3DCCD1}">
               <a14:hiddenFill xmlns:a14="http://schemas.microsoft.com/office/drawing/2010/main">
                 <a:solidFill>
                   <a:srgbClr val="FFFFFF"/>
@@ -14829,10 +15365,17 @@
   <p:clrMapOvr>
     <a:masterClrMapping/>
   </p:clrMapOvr>
+  <p:timing>
+    <p:tnLst>
+      <p:par>
+        <p:cTn xmlns:p14="http://schemas.microsoft.com/office/powerpoint/2010/main" id="1" dur="indefinite" restart="never" nodeType="tmRoot"/>
+      </p:par>
+    </p:tnLst>
+  </p:timing>
 </p:sld>
 </file>
 
-<file path=ppt/slides/slide21.xml><?xml version="1.0" encoding="utf-8"?>
+<file path=ppt/slides/slide22.xml><?xml version="1.0" encoding="utf-8"?>
 <p:sld xmlns:a="http://schemas.openxmlformats.org/drawingml/2006/main" xmlns:r="http://schemas.openxmlformats.org/officeDocument/2006/relationships" xmlns:p="http://schemas.openxmlformats.org/presentationml/2006/main">
   <p:cSld>
     <p:spTree>
@@ -14927,7 +15470,7 @@
           </a:prstGeom>
           <a:noFill/>
           <a:extLst>
-            <a:ext uri="{909E8E84-426E-40DD-AFC4-6F175D3DCCD1}">
+            <a:ext uri="{909E8E84-426E-40dd-AFC4-6F175D3DCCD1}">
               <a14:hiddenFill xmlns:a14="http://schemas.microsoft.com/office/drawing/2010/main">
                 <a:solidFill>
                   <a:srgbClr val="FFFFFF"/>
@@ -14987,7 +15530,7 @@
   <p:timing>
     <p:tnLst>
       <p:par>
-        <p:cTn id="1" dur="indefinite" restart="never" nodeType="tmRoot"/>
+        <p:cTn xmlns:p14="http://schemas.microsoft.com/office/powerpoint/2010/main" id="1" dur="indefinite" restart="never" nodeType="tmRoot"/>
       </p:par>
     </p:tnLst>
   </p:timing>
@@ -15098,7 +15641,7 @@
           </a:prstGeom>
           <a:noFill/>
           <a:extLst>
-            <a:ext uri="{909E8E84-426E-40DD-AFC4-6F175D3DCCD1}">
+            <a:ext uri="{909E8E84-426E-40dd-AFC4-6F175D3DCCD1}">
               <a14:hiddenFill xmlns:a14="http://schemas.microsoft.com/office/drawing/2010/main">
                 <a:solidFill>
                   <a:srgbClr val="FFFFFF"/>
@@ -15143,14 +15686,14 @@
           </a:ln>
           <a:effectLst/>
           <a:extLst>
-            <a:ext uri="{909E8E84-426E-40DD-AFC4-6F175D3DCCD1}">
+            <a:ext uri="{909E8E84-426E-40dd-AFC4-6F175D3DCCD1}">
               <a14:hiddenFill xmlns:a14="http://schemas.microsoft.com/office/drawing/2010/main">
                 <a:solidFill>
                   <a:schemeClr val="accent1"/>
                 </a:solidFill>
               </a14:hiddenFill>
             </a:ext>
-            <a:ext uri="{91240B29-F687-4F45-9708-019B960494DF}">
+            <a:ext uri="{91240B29-F687-4f45-9708-019B960494DF}">
               <a14:hiddenLine xmlns:a14="http://schemas.microsoft.com/office/drawing/2010/main" w="9525">
                 <a:solidFill>
                   <a:schemeClr val="tx1"/>
@@ -15160,7 +15703,7 @@
                 <a:tailEnd/>
               </a14:hiddenLine>
             </a:ext>
-            <a:ext uri="{AF507438-7753-43E0-B8FC-AC1667EBCBE1}">
+            <a:ext uri="{AF507438-7753-43e0-B8FC-AC1667EBCBE1}">
               <a14:hiddenEffects xmlns:a14="http://schemas.microsoft.com/office/drawing/2010/main">
                 <a:effectLst>
                   <a:outerShdw dist="35921" dir="2700000" algn="ctr" rotWithShape="0">
@@ -15207,14 +15750,14 @@
           </a:ln>
           <a:effectLst/>
           <a:extLst>
-            <a:ext uri="{909E8E84-426E-40DD-AFC4-6F175D3DCCD1}">
+            <a:ext uri="{909E8E84-426E-40dd-AFC4-6F175D3DCCD1}">
               <a14:hiddenFill xmlns:a14="http://schemas.microsoft.com/office/drawing/2010/main">
                 <a:solidFill>
                   <a:schemeClr val="accent1"/>
                 </a:solidFill>
               </a14:hiddenFill>
             </a:ext>
-            <a:ext uri="{91240B29-F687-4F45-9708-019B960494DF}">
+            <a:ext uri="{91240B29-F687-4f45-9708-019B960494DF}">
               <a14:hiddenLine xmlns:a14="http://schemas.microsoft.com/office/drawing/2010/main" w="9525">
                 <a:solidFill>
                   <a:schemeClr val="tx1"/>
@@ -15224,7 +15767,7 @@
                 <a:tailEnd/>
               </a14:hiddenLine>
             </a:ext>
-            <a:ext uri="{AF507438-7753-43E0-B8FC-AC1667EBCBE1}">
+            <a:ext uri="{AF507438-7753-43e0-B8FC-AC1667EBCBE1}">
               <a14:hiddenEffects xmlns:a14="http://schemas.microsoft.com/office/drawing/2010/main">
                 <a:effectLst>
                   <a:outerShdw dist="35921" dir="2700000" algn="ctr" rotWithShape="0">
@@ -15311,7 +15854,7 @@
   <p:timing>
     <p:tnLst>
       <p:par>
-        <p:cTn id="1" dur="indefinite" restart="never" nodeType="tmRoot"/>
+        <p:cTn xmlns:p14="http://schemas.microsoft.com/office/powerpoint/2010/main" id="1" dur="indefinite" restart="never" nodeType="tmRoot"/>
       </p:par>
     </p:tnLst>
   </p:timing>
@@ -15537,7 +16080,7 @@
           </a:prstGeom>
           <a:noFill/>
           <a:extLst>
-            <a:ext uri="{909E8E84-426E-40DD-AFC4-6F175D3DCCD1}">
+            <a:ext uri="{909E8E84-426E-40dd-AFC4-6F175D3DCCD1}">
               <a14:hiddenFill xmlns:a14="http://schemas.microsoft.com/office/drawing/2010/main">
                 <a:solidFill>
                   <a:srgbClr val="FFFFFF"/>
@@ -15560,7 +16103,7 @@
   <p:timing>
     <p:tnLst>
       <p:par>
-        <p:cTn id="1" dur="indefinite" restart="never" nodeType="tmRoot"/>
+        <p:cTn xmlns:p14="http://schemas.microsoft.com/office/powerpoint/2010/main" id="1" dur="indefinite" restart="never" nodeType="tmRoot"/>
       </p:par>
     </p:tnLst>
   </p:timing>
@@ -15615,7 +16158,7 @@
           </a:prstGeom>
           <a:noFill/>
           <a:extLst>
-            <a:ext uri="{909E8E84-426E-40DD-AFC4-6F175D3DCCD1}">
+            <a:ext uri="{909E8E84-426E-40dd-AFC4-6F175D3DCCD1}">
               <a14:hiddenFill xmlns:a14="http://schemas.microsoft.com/office/drawing/2010/main">
                 <a:solidFill>
                   <a:srgbClr val="FFFFFF"/>
@@ -16110,7 +16653,7 @@
   <p:timing>
     <p:tnLst>
       <p:par>
-        <p:cTn id="1" dur="indefinite" restart="never" nodeType="tmRoot">
+        <p:cTn xmlns:p14="http://schemas.microsoft.com/office/powerpoint/2010/main" id="1" dur="indefinite" restart="never" nodeType="tmRoot">
           <p:childTnLst>
             <p:seq concurrent="1" nextAc="seek">
               <p:cTn id="2" dur="indefinite" nodeType="mainSeq">
@@ -16271,7 +16814,7 @@
           </a:prstGeom>
           <a:noFill/>
           <a:extLst>
-            <a:ext uri="{909E8E84-426E-40DD-AFC4-6F175D3DCCD1}">
+            <a:ext uri="{909E8E84-426E-40dd-AFC4-6F175D3DCCD1}">
               <a14:hiddenFill xmlns:a14="http://schemas.microsoft.com/office/drawing/2010/main">
                 <a:solidFill>
                   <a:srgbClr val="FFFFFF"/>
@@ -16835,7 +17378,7 @@
   <p:timing>
     <p:tnLst>
       <p:par>
-        <p:cTn id="1" dur="indefinite" restart="never" nodeType="tmRoot">
+        <p:cTn xmlns:p14="http://schemas.microsoft.com/office/powerpoint/2010/main" id="1" dur="indefinite" restart="never" nodeType="tmRoot">
           <p:childTnLst>
             <p:seq concurrent="1" nextAc="seek">
               <p:cTn id="2" dur="indefinite" nodeType="mainSeq">
@@ -17122,7 +17665,7 @@
           </a:prstGeom>
           <a:noFill/>
           <a:extLst>
-            <a:ext uri="{909E8E84-426E-40DD-AFC4-6F175D3DCCD1}">
+            <a:ext uri="{909E8E84-426E-40dd-AFC4-6F175D3DCCD1}">
               <a14:hiddenFill xmlns:a14="http://schemas.microsoft.com/office/drawing/2010/main">
                 <a:solidFill>
                   <a:srgbClr val="FFFFFF"/>
@@ -17728,7 +18271,7 @@
   <p:timing>
     <p:tnLst>
       <p:par>
-        <p:cTn id="1" dur="indefinite" restart="never" nodeType="tmRoot">
+        <p:cTn xmlns:p14="http://schemas.microsoft.com/office/powerpoint/2010/main" id="1" dur="indefinite" restart="never" nodeType="tmRoot">
           <p:childTnLst>
             <p:seq concurrent="1" nextAc="seek">
               <p:cTn id="2" dur="indefinite" nodeType="mainSeq">
@@ -18123,7 +18666,7 @@
           </a:prstGeom>
           <a:noFill/>
           <a:extLst>
-            <a:ext uri="{909E8E84-426E-40DD-AFC4-6F175D3DCCD1}">
+            <a:ext uri="{909E8E84-426E-40dd-AFC4-6F175D3DCCD1}">
               <a14:hiddenFill xmlns:a14="http://schemas.microsoft.com/office/drawing/2010/main">
                 <a:solidFill>
                   <a:srgbClr val="FFFFFF"/>
@@ -18393,7 +18936,7 @@
   <p:timing>
     <p:tnLst>
       <p:par>
-        <p:cTn id="1" dur="indefinite" restart="never" nodeType="tmRoot">
+        <p:cTn xmlns:p14="http://schemas.microsoft.com/office/powerpoint/2010/main" id="1" dur="indefinite" restart="never" nodeType="tmRoot">
           <p:childTnLst>
             <p:seq concurrent="1" nextAc="seek">
               <p:cTn id="2" dur="indefinite" nodeType="mainSeq">
@@ -18625,7 +19168,7 @@
           </a:prstGeom>
           <a:noFill/>
           <a:extLst>
-            <a:ext uri="{909E8E84-426E-40DD-AFC4-6F175D3DCCD1}">
+            <a:ext uri="{909E8E84-426E-40dd-AFC4-6F175D3DCCD1}">
               <a14:hiddenFill xmlns:a14="http://schemas.microsoft.com/office/drawing/2010/main">
                 <a:solidFill>
                   <a:srgbClr val="FFFFFF"/>
@@ -18700,7 +19243,7 @@
   <p:timing>
     <p:tnLst>
       <p:par>
-        <p:cTn id="1" dur="indefinite" restart="never" nodeType="tmRoot">
+        <p:cTn xmlns:p14="http://schemas.microsoft.com/office/powerpoint/2010/main" id="1" dur="indefinite" restart="never" nodeType="tmRoot">
           <p:childTnLst>
             <p:seq concurrent="1" nextAc="seek">
               <p:cTn id="2" dur="indefinite" nodeType="mainSeq">

--- a/lectures/E11-Protection/E11 - Protection.pptx
+++ b/lectures/E11-Protection/E11 - Protection.pptx
@@ -217,7 +217,7 @@
             <a:fld id="{D591C14E-198E-48A7-ABEC-7FB80E868E55}" type="datetimeFigureOut">
               <a:rPr lang="sv-SE" smtClean="0"/>
               <a:pPr/>
-              <a:t>2013-12-10</a:t>
+              <a:t>14-11-28</a:t>
             </a:fld>
             <a:endParaRPr lang="sv-SE"/>
           </a:p>
@@ -384,7 +384,7 @@
             <a:fld id="{188BB863-C913-48B5-BD1A-638D82A0C76B}" type="datetimeFigureOut">
               <a:rPr lang="sv-SE" smtClean="0"/>
               <a:pPr/>
-              <a:t>2013-12-10</a:t>
+              <a:t>14-11-28</a:t>
             </a:fld>
             <a:endParaRPr lang="sv-SE"/>
           </a:p>
@@ -7690,7 +7690,7 @@
               <a:rPr lang="sv-SE" sz="2800" b="1" dirty="0" smtClean="0">
                 <a:latin typeface="Minya Nouvelle" pitchFamily="2" charset="0"/>
               </a:rPr>
-              <a:t>HT2013</a:t>
+              <a:t>HT2014</a:t>
             </a:r>
             <a:endParaRPr lang="sv-SE" sz="2800" b="1" dirty="0" smtClean="0">
               <a:latin typeface="Minya Nouvelle" pitchFamily="2" charset="0"/>
@@ -7750,47 +7750,6 @@
           </a:p>
         </p:txBody>
       </p:sp>
-      <p:pic>
-        <p:nvPicPr>
-          <p:cNvPr id="115714" name="Picture 2" descr="C:\Dropbox\Avatar\Avatar228x228.jpg"/>
-          <p:cNvPicPr>
-            <a:picLocks noChangeAspect="1" noChangeArrowheads="1"/>
-          </p:cNvPicPr>
-          <p:nvPr/>
-        </p:nvPicPr>
-        <p:blipFill>
-          <a:blip r:embed="rId2">
-            <a:extLst>
-              <a:ext uri="{28A0092B-C50C-407E-A947-70E740481C1C}">
-                <a14:useLocalDpi xmlns:a14="http://schemas.microsoft.com/office/drawing/2010/main" val="0"/>
-              </a:ext>
-            </a:extLst>
-          </a:blip>
-          <a:srcRect/>
-          <a:stretch>
-            <a:fillRect/>
-          </a:stretch>
-        </p:blipFill>
-        <p:spPr bwMode="auto">
-          <a:xfrm>
-            <a:off x="5508104" y="2137420"/>
-            <a:ext cx="2736304" cy="2736304"/>
-          </a:xfrm>
-          <a:prstGeom prst="rect">
-            <a:avLst/>
-          </a:prstGeom>
-          <a:noFill/>
-          <a:extLst>
-            <a:ext uri="{909E8E84-426E-40dd-AFC4-6F175D3DCCD1}">
-              <a14:hiddenFill xmlns:a14="http://schemas.microsoft.com/office/drawing/2010/main">
-                <a:solidFill>
-                  <a:srgbClr val="FFFFFF"/>
-                </a:solidFill>
-              </a14:hiddenFill>
-            </a:ext>
-          </a:extLst>
-        </p:spPr>
-      </p:pic>
       <p:sp>
         <p:nvSpPr>
           <p:cNvPr id="4" name="TextBox 3"/>
@@ -7823,6 +7782,36 @@
           </a:p>
         </p:txBody>
       </p:sp>
+      <p:pic>
+        <p:nvPicPr>
+          <p:cNvPr id="7" name="Picture 6" descr="square.jpg"/>
+          <p:cNvPicPr>
+            <a:picLocks noChangeAspect="1"/>
+          </p:cNvPicPr>
+          <p:nvPr/>
+        </p:nvPicPr>
+        <p:blipFill>
+          <a:blip r:embed="rId2" cstate="print">
+            <a:extLst>
+              <a:ext uri="{28A0092B-C50C-407E-A947-70E740481C1C}">
+                <a14:useLocalDpi xmlns:a14="http://schemas.microsoft.com/office/drawing/2010/main" val="0"/>
+              </a:ext>
+            </a:extLst>
+          </a:blip>
+          <a:stretch>
+            <a:fillRect/>
+          </a:stretch>
+        </p:blipFill>
+        <p:spPr>
+          <a:xfrm>
+            <a:off x="5580112" y="2137420"/>
+            <a:ext cx="2641476" cy="2641476"/>
+          </a:xfrm>
+          <a:prstGeom prst="rect">
+            <a:avLst/>
+          </a:prstGeom>
+        </p:spPr>
+      </p:pic>
     </p:spTree>
     <p:extLst>
       <p:ext uri="{BB962C8B-B14F-4D97-AF65-F5344CB8AC3E}">
@@ -9058,10 +9047,16 @@
               <a:t>Det samma gäller för </a:t>
             </a:r>
             <a:r>
-              <a:rPr lang="sv-SE" dirty="0" err="1">
+              <a:rPr lang="sv-SE" dirty="0" err="1" smtClean="0">
                 <a:latin typeface="Minya Nouvelle" pitchFamily="2" charset="0"/>
               </a:rPr>
-              <a:t>HTTPRequestobjektet</a:t>
+              <a:t>HTTPRequest</a:t>
+            </a:r>
+            <a:r>
+              <a:rPr lang="sv-SE" dirty="0" smtClean="0">
+                <a:latin typeface="Minya Nouvelle" pitchFamily="2" charset="0"/>
+              </a:rPr>
+              <a:t>-objektet</a:t>
             </a:r>
             <a:r>
               <a:rPr lang="sv-SE" dirty="0">
@@ -9184,13 +9179,7 @@
               <a:rPr lang="sv-SE" sz="1800" dirty="0" smtClean="0">
                 <a:latin typeface="Minya Nouvelle" charset="0"/>
               </a:rPr>
-              <a:t>Koden är </a:t>
-            </a:r>
-            <a:r>
-              <a:rPr lang="sv-SE" sz="1800" dirty="0" smtClean="0">
-                <a:latin typeface="Minya Nouvelle" charset="0"/>
-              </a:rPr>
-              <a:t>publik</a:t>
+              <a:t>Koden är publik</a:t>
             </a:r>
             <a:br>
               <a:rPr lang="sv-SE" sz="1800" dirty="0" smtClean="0">
@@ -9243,13 +9232,7 @@
               <a:rPr lang="sv-SE" sz="1800" dirty="0" smtClean="0">
                 <a:latin typeface="Minya Nouvelle" charset="0"/>
               </a:rPr>
-              <a:t> - För att stoppa användaren från att genomföra </a:t>
-            </a:r>
-            <a:r>
-              <a:rPr lang="sv-SE" sz="1800" dirty="0" smtClean="0">
-                <a:latin typeface="Minya Nouvelle" charset="0"/>
-              </a:rPr>
-              <a:t>handlingar</a:t>
+              <a:t> - För att stoppa användaren från att genomföra handlingar</a:t>
             </a:r>
           </a:p>
           <a:p>
@@ -9270,13 +9253,7 @@
               <a:rPr lang="sv-SE" sz="1800" dirty="0" smtClean="0">
                 <a:latin typeface="Minya Nouvelle" charset="0"/>
               </a:rPr>
-              <a:t>Ajax-applikationer ökar </a:t>
-            </a:r>
-            <a:r>
-              <a:rPr lang="sv-SE" sz="1800" dirty="0" smtClean="0">
-                <a:latin typeface="Minya Nouvelle" charset="0"/>
-              </a:rPr>
-              <a:t>angreppsytan</a:t>
+              <a:t>Ajax-applikationer ökar angreppsytan</a:t>
             </a:r>
           </a:p>
           <a:p>
@@ -9403,24 +9380,18 @@
               <a:rPr lang="sv-SE" sz="1800" b="1" dirty="0" smtClean="0">
                 <a:latin typeface="Minya Nouvelle" charset="0"/>
               </a:rPr>
-              <a:t>Cross</a:t>
+              <a:t>Cross-site </a:t>
+            </a:r>
+            <a:r>
+              <a:rPr lang="sv-SE" sz="1800" b="1" dirty="0" err="1" smtClean="0">
+                <a:latin typeface="Minya Nouvelle" charset="0"/>
+              </a:rPr>
+              <a:t>Scripting</a:t>
             </a:r>
             <a:r>
               <a:rPr lang="sv-SE" sz="1800" b="1" dirty="0" smtClean="0">
                 <a:latin typeface="Minya Nouvelle" charset="0"/>
               </a:rPr>
-              <a:t>-site </a:t>
-            </a:r>
-            <a:r>
-              <a:rPr lang="sv-SE" sz="1800" b="1" dirty="0" err="1" smtClean="0">
-                <a:latin typeface="Minya Nouvelle" charset="0"/>
-              </a:rPr>
-              <a:t>Scripting</a:t>
-            </a:r>
-            <a:r>
-              <a:rPr lang="sv-SE" sz="1800" b="1" dirty="0" smtClean="0">
-                <a:latin typeface="Minya Nouvelle" charset="0"/>
-              </a:rPr>
               <a:t> (XSS)</a:t>
             </a:r>
             <a:r>
@@ -9429,9 +9400,6 @@
               </a:rPr>
               <a:t> </a:t>
             </a:r>
-            <a:endParaRPr lang="sv-SE" sz="1800" dirty="0" smtClean="0">
-              <a:latin typeface="Minya Nouvelle" charset="0"/>
-            </a:endParaRPr>
           </a:p>
           <a:p>
             <a:endParaRPr lang="sv-SE" sz="700" dirty="0">
@@ -16350,64 +16318,46 @@
               </a:rPr>
             </a:br>
             <a:r>
-              <a:rPr lang="sv-SE" sz="1600" b="1" dirty="0" err="1">
-                <a:latin typeface="Courier New" pitchFamily="49" charset="0"/>
-              </a:rPr>
-              <a:t>showLink.onclick</a:t>
-            </a:r>
-            <a:r>
-              <a:rPr lang="sv-SE" sz="1600" b="1" dirty="0">
-                <a:latin typeface="Courier New" pitchFamily="49" charset="0"/>
-              </a:rPr>
-              <a:t> = </a:t>
-            </a:r>
-            <a:r>
-              <a:rPr lang="sv-SE" sz="1600" b="1" dirty="0" err="1">
+              <a:rPr lang="sv-SE" sz="1600" b="1" dirty="0" err="1" smtClean="0">
+                <a:latin typeface="Courier New" pitchFamily="49" charset="0"/>
+              </a:rPr>
+              <a:t>showLink.add</a:t>
+            </a:r>
+            <a:r>
+              <a:rPr lang="sv-SE" sz="1600" b="1" dirty="0" err="1" smtClean="0">
+                <a:latin typeface="Courier New" pitchFamily="49" charset="0"/>
+              </a:rPr>
+              <a:t>EventListener</a:t>
+            </a:r>
+            <a:r>
+              <a:rPr lang="sv-SE" sz="1600" b="1" dirty="0" smtClean="0">
+                <a:latin typeface="Courier New" pitchFamily="49" charset="0"/>
+              </a:rPr>
+              <a:t>(”</a:t>
+            </a:r>
+            <a:r>
+              <a:rPr lang="sv-SE" sz="1600" b="1" dirty="0" err="1" smtClean="0">
+                <a:latin typeface="Courier New" pitchFamily="49" charset="0"/>
+              </a:rPr>
+              <a:t>click</a:t>
+            </a:r>
+            <a:r>
+              <a:rPr lang="sv-SE" sz="1600" b="1" dirty="0" smtClean="0">
+                <a:latin typeface="Courier New" pitchFamily="49" charset="0"/>
+              </a:rPr>
+              <a:t>”, </a:t>
+            </a:r>
+            <a:r>
+              <a:rPr lang="sv-SE" sz="1600" b="1" dirty="0" err="1" smtClean="0">
                 <a:latin typeface="Courier New" pitchFamily="49" charset="0"/>
               </a:rPr>
               <a:t>function</a:t>
             </a:r>
             <a:r>
-              <a:rPr lang="sv-SE" sz="1600" b="1" dirty="0">
-                <a:latin typeface="Courier New" pitchFamily="49" charset="0"/>
-              </a:rPr>
-              <a:t> </a:t>
-            </a:r>
-            <a:r>
               <a:rPr lang="sv-SE" sz="1600" b="1" dirty="0" smtClean="0">
                 <a:latin typeface="Courier New" pitchFamily="49" charset="0"/>
               </a:rPr>
-              <a:t>{</a:t>
-            </a:r>
-            <a:r>
-              <a:rPr lang="sv-SE" sz="1600" b="1" dirty="0" err="1" smtClean="0">
-                <a:latin typeface="Courier New" pitchFamily="49" charset="0"/>
-              </a:rPr>
-              <a:t>return</a:t>
-            </a:r>
-            <a:r>
-              <a:rPr lang="sv-SE" sz="1600" b="1" dirty="0" smtClean="0">
-                <a:latin typeface="Courier New" pitchFamily="49" charset="0"/>
-              </a:rPr>
-              <a:t> </a:t>
-            </a:r>
-            <a:r>
-              <a:rPr lang="sv-SE" sz="1600" b="1" dirty="0" err="1" smtClean="0">
-                <a:latin typeface="Courier New" pitchFamily="49" charset="0"/>
-              </a:rPr>
-              <a:t>showMessage</a:t>
-            </a:r>
-            <a:r>
-              <a:rPr lang="sv-SE" sz="1600" b="1" dirty="0" smtClean="0">
-                <a:latin typeface="Courier New" pitchFamily="49" charset="0"/>
-              </a:rPr>
-              <a:t>(12</a:t>
-            </a:r>
-            <a:r>
-              <a:rPr lang="sv-SE" sz="1600" b="1" dirty="0">
-                <a:latin typeface="Courier New" pitchFamily="49" charset="0"/>
-              </a:rPr>
-              <a:t>);};</a:t>
+              <a:t>(e) {</a:t>
             </a:r>
           </a:p>
           <a:p>
@@ -16417,11 +16367,18 @@
               </a:spcBef>
             </a:pPr>
             <a:r>
-              <a:rPr lang="sv-SE" sz="1600" b="1" dirty="0" err="1">
-                <a:latin typeface="Courier New" pitchFamily="49" charset="0"/>
-              </a:rPr>
-              <a:t>function</a:t>
-            </a:r>
+              <a:rPr lang="sv-SE" sz="1600" b="1" dirty="0" smtClean="0">
+                <a:latin typeface="Courier New" pitchFamily="49" charset="0"/>
+              </a:rPr>
+              <a:t>  // Hämta meddelande 12 och visa det.</a:t>
+            </a:r>
+          </a:p>
+          <a:p>
+            <a:pPr>
+              <a:spcBef>
+                <a:spcPct val="50000"/>
+              </a:spcBef>
+            </a:pPr>
             <a:r>
               <a:rPr lang="sv-SE" sz="1600" b="1" dirty="0">
                 <a:latin typeface="Courier New" pitchFamily="49" charset="0"/>
@@ -16429,73 +16386,44 @@
               <a:t> </a:t>
             </a:r>
             <a:r>
-              <a:rPr lang="sv-SE" sz="1600" b="1" dirty="0" err="1">
-                <a:latin typeface="Courier New" pitchFamily="49" charset="0"/>
-              </a:rPr>
-              <a:t>showMessage</a:t>
+              <a:rPr lang="sv-SE" sz="1600" b="1" dirty="0" smtClean="0">
+                <a:latin typeface="Courier New" pitchFamily="49" charset="0"/>
+              </a:rPr>
+              <a:t> </a:t>
+            </a:r>
+            <a:r>
+              <a:rPr lang="sv-SE" sz="1600" b="1" dirty="0" err="1" smtClean="0">
+                <a:latin typeface="Courier New" pitchFamily="49" charset="0"/>
+              </a:rPr>
+              <a:t>e.preventDefault</a:t>
+            </a:r>
+            <a:r>
+              <a:rPr lang="sv-SE" sz="1600" b="1" dirty="0" smtClean="0">
+                <a:latin typeface="Courier New" pitchFamily="49" charset="0"/>
+              </a:rPr>
+              <a:t>();</a:t>
+            </a:r>
+            <a:endParaRPr lang="sv-SE" sz="1600" b="1" dirty="0">
+              <a:latin typeface="Courier New" pitchFamily="49" charset="0"/>
+            </a:endParaRPr>
+          </a:p>
+          <a:p>
+            <a:pPr>
+              <a:spcBef>
+                <a:spcPct val="50000"/>
+              </a:spcBef>
+            </a:pPr>
+            <a:r>
+              <a:rPr lang="sv-SE" sz="1600" b="1" dirty="0" smtClean="0">
+                <a:latin typeface="Courier New" pitchFamily="49" charset="0"/>
+              </a:rPr>
+              <a:t>});</a:t>
             </a:r>
             <a:r>
               <a:rPr lang="sv-SE" sz="1600" b="1" dirty="0">
                 <a:latin typeface="Courier New" pitchFamily="49" charset="0"/>
               </a:rPr>
-              <a:t>(mess){</a:t>
-            </a:r>
-            <a:br>
-              <a:rPr lang="sv-SE" sz="1600" b="1" dirty="0">
-                <a:latin typeface="Courier New" pitchFamily="49" charset="0"/>
-              </a:rPr>
-            </a:br>
-            <a:r>
-              <a:rPr lang="sv-SE" sz="1600" b="1" dirty="0">
-                <a:latin typeface="Courier New" pitchFamily="49" charset="0"/>
-              </a:rPr>
-              <a:t>	...</a:t>
-            </a:r>
-            <a:br>
-              <a:rPr lang="sv-SE" sz="1600" b="1" dirty="0">
-                <a:latin typeface="Courier New" pitchFamily="49" charset="0"/>
-              </a:rPr>
-            </a:br>
-            <a:r>
-              <a:rPr lang="sv-SE" sz="1600" b="1" dirty="0">
-                <a:latin typeface="Courier New" pitchFamily="49" charset="0"/>
-              </a:rPr>
               <a:t>	</a:t>
-            </a:r>
-            <a:r>
-              <a:rPr lang="sv-SE" sz="1600" b="1" dirty="0" err="1">
-                <a:latin typeface="Courier New" pitchFamily="49" charset="0"/>
-              </a:rPr>
-              <a:t>return</a:t>
-            </a:r>
-            <a:r>
-              <a:rPr lang="sv-SE" sz="1600" b="1" dirty="0">
-                <a:latin typeface="Courier New" pitchFamily="49" charset="0"/>
-              </a:rPr>
-              <a:t> </a:t>
-            </a:r>
-            <a:r>
-              <a:rPr lang="sv-SE" sz="1600" b="1" dirty="0" err="1">
-                <a:latin typeface="Courier New" pitchFamily="49" charset="0"/>
-              </a:rPr>
-              <a:t>false</a:t>
-            </a:r>
-            <a:r>
-              <a:rPr lang="sv-SE" sz="1600" b="1" dirty="0">
-                <a:latin typeface="Courier New" pitchFamily="49" charset="0"/>
-              </a:rPr>
-              <a:t>;</a:t>
-            </a:r>
-            <a:br>
-              <a:rPr lang="sv-SE" sz="1600" b="1" dirty="0">
-                <a:latin typeface="Courier New" pitchFamily="49" charset="0"/>
-              </a:rPr>
-            </a:br>
-            <a:r>
-              <a:rPr lang="sv-SE" sz="1600" b="1" dirty="0">
-                <a:latin typeface="Courier New" pitchFamily="49" charset="0"/>
-              </a:rPr>
-              <a:t>}</a:t>
             </a:r>
             <a:endParaRPr lang="sv-SE" sz="1600" dirty="0">
               <a:latin typeface="Courier New" pitchFamily="49" charset="0"/>
@@ -17131,28 +17059,46 @@
               </a:rPr>
             </a:br>
             <a:r>
-              <a:rPr lang="sv-SE" sz="1600" b="1" dirty="0" err="1">
-                <a:latin typeface="Courier New" pitchFamily="49" charset="0"/>
-              </a:rPr>
-              <a:t>linkButton.onclick</a:t>
+              <a:rPr lang="sv-SE" sz="1600" b="1" dirty="0" err="1" smtClean="0">
+                <a:latin typeface="Courier New" pitchFamily="49" charset="0"/>
+              </a:rPr>
+              <a:t>linkButton.addEventListener</a:t>
+            </a:r>
+            <a:r>
+              <a:rPr lang="sv-SE" sz="1600" b="1" dirty="0" smtClean="0">
+                <a:latin typeface="Courier New" pitchFamily="49" charset="0"/>
+              </a:rPr>
+              <a:t>(”</a:t>
+            </a:r>
+            <a:r>
+              <a:rPr lang="sv-SE" sz="1600" b="1" dirty="0" err="1" smtClean="0">
+                <a:latin typeface="Courier New" pitchFamily="49" charset="0"/>
+              </a:rPr>
+              <a:t>click</a:t>
+            </a:r>
+            <a:r>
+              <a:rPr lang="sv-SE" sz="1600" b="1" dirty="0" smtClean="0">
+                <a:latin typeface="Courier New" pitchFamily="49" charset="0"/>
+              </a:rPr>
+              <a:t>”, </a:t>
+            </a:r>
+            <a:r>
+              <a:rPr lang="sv-SE" sz="1600" b="1" dirty="0" err="1" smtClean="0">
+                <a:latin typeface="Courier New" pitchFamily="49" charset="0"/>
+              </a:rPr>
+              <a:t>sendForm</a:t>
+            </a:r>
+            <a:r>
+              <a:rPr lang="sv-SE" sz="1600" b="1" dirty="0" smtClean="0">
+                <a:latin typeface="Courier New" pitchFamily="49" charset="0"/>
+              </a:rPr>
+              <a:t>);</a:t>
             </a:r>
             <a:r>
               <a:rPr lang="sv-SE" sz="1600" b="1" dirty="0">
                 <a:latin typeface="Courier New" pitchFamily="49" charset="0"/>
               </a:rPr>
-              <a:t> = </a:t>
-            </a:r>
-            <a:r>
-              <a:rPr lang="sv-SE" sz="1600" b="1" dirty="0" err="1">
-                <a:latin typeface="Courier New" pitchFamily="49" charset="0"/>
-              </a:rPr>
-              <a:t>sendForm</a:t>
-            </a:r>
-            <a:r>
-              <a:rPr lang="sv-SE" sz="1600" b="1" dirty="0">
-                <a:latin typeface="Courier New" pitchFamily="49" charset="0"/>
-              </a:rPr>
-              <a:t>;</a:t>
+              <a:t/>
             </a:r>
             <a:br>
               <a:rPr lang="sv-SE" sz="1600" b="1" dirty="0">
